--- a/slides/all slides.pptx
+++ b/slides/all slides.pptx
@@ -19,14 +19,15 @@
     <p:sldId id="272" r:id="rId13"/>
     <p:sldId id="273" r:id="rId14"/>
     <p:sldId id="274" r:id="rId15"/>
-    <p:sldId id="275" r:id="rId16"/>
-    <p:sldId id="276" r:id="rId17"/>
-    <p:sldId id="278" r:id="rId18"/>
-    <p:sldId id="277" r:id="rId19"/>
-    <p:sldId id="259" r:id="rId20"/>
-    <p:sldId id="268" r:id="rId21"/>
-    <p:sldId id="260" r:id="rId22"/>
-    <p:sldId id="261" r:id="rId23"/>
+    <p:sldId id="279" r:id="rId16"/>
+    <p:sldId id="275" r:id="rId17"/>
+    <p:sldId id="276" r:id="rId18"/>
+    <p:sldId id="278" r:id="rId19"/>
+    <p:sldId id="277" r:id="rId20"/>
+    <p:sldId id="259" r:id="rId21"/>
+    <p:sldId id="268" r:id="rId22"/>
+    <p:sldId id="260" r:id="rId23"/>
+    <p:sldId id="261" r:id="rId24"/>
   </p:sldIdLst>
   <p:sldSz cx="12192000" cy="6858000"/>
   <p:notesSz cx="6858000" cy="9144000"/>
@@ -148,6 +149,7 @@
         <p14:section name="Quantum Gates" id="{E369B12E-74E1-4EA6-B6BF-26656A31532E}">
           <p14:sldIdLst>
             <p14:sldId id="274"/>
+            <p14:sldId id="279"/>
           </p14:sldIdLst>
         </p14:section>
         <p14:section name="Types of quantum computers" id="{7F0F0567-533C-4975-9873-6FFC496D12E6}">
@@ -345,7 +347,7 @@
           <a:p>
             <a:fld id="{B0B39031-006E-422F-B802-1299714394F9}" type="datetimeFigureOut">
               <a:rPr lang="en-US" smtClean="0"/>
-              <a:t>3/31/2020</a:t>
+              <a:t>5/2/2020</a:t>
             </a:fld>
             <a:endParaRPr lang="en-US"/>
           </a:p>
@@ -543,7 +545,7 @@
           <a:p>
             <a:fld id="{B0B39031-006E-422F-B802-1299714394F9}" type="datetimeFigureOut">
               <a:rPr lang="en-US" smtClean="0"/>
-              <a:t>3/31/2020</a:t>
+              <a:t>5/2/2020</a:t>
             </a:fld>
             <a:endParaRPr lang="en-US"/>
           </a:p>
@@ -787,7 +789,7 @@
           <a:p>
             <a:fld id="{B0B39031-006E-422F-B802-1299714394F9}" type="datetimeFigureOut">
               <a:rPr lang="en-US" smtClean="0"/>
-              <a:t>3/31/2020</a:t>
+              <a:t>5/2/2020</a:t>
             </a:fld>
             <a:endParaRPr lang="en-US"/>
           </a:p>
@@ -1029,7 +1031,7 @@
           <a:p>
             <a:fld id="{B0B39031-006E-422F-B802-1299714394F9}" type="datetimeFigureOut">
               <a:rPr lang="en-US" smtClean="0"/>
-              <a:t>3/31/2020</a:t>
+              <a:t>5/2/2020</a:t>
             </a:fld>
             <a:endParaRPr lang="en-US"/>
           </a:p>
@@ -1342,7 +1344,7 @@
           <a:p>
             <a:fld id="{B0B39031-006E-422F-B802-1299714394F9}" type="datetimeFigureOut">
               <a:rPr lang="en-US" smtClean="0"/>
-              <a:t>3/31/2020</a:t>
+              <a:t>5/2/2020</a:t>
             </a:fld>
             <a:endParaRPr lang="en-US"/>
           </a:p>
@@ -1651,7 +1653,7 @@
           <a:p>
             <a:fld id="{B0B39031-006E-422F-B802-1299714394F9}" type="datetimeFigureOut">
               <a:rPr lang="en-US" smtClean="0"/>
-              <a:t>3/31/2020</a:t>
+              <a:t>5/2/2020</a:t>
             </a:fld>
             <a:endParaRPr lang="en-US"/>
           </a:p>
@@ -2107,7 +2109,7 @@
           <a:p>
             <a:fld id="{B0B39031-006E-422F-B802-1299714394F9}" type="datetimeFigureOut">
               <a:rPr lang="en-US" smtClean="0"/>
-              <a:t>3/31/2020</a:t>
+              <a:t>5/2/2020</a:t>
             </a:fld>
             <a:endParaRPr lang="en-US"/>
           </a:p>
@@ -2292,7 +2294,7 @@
           <a:p>
             <a:fld id="{B0B39031-006E-422F-B802-1299714394F9}" type="datetimeFigureOut">
               <a:rPr lang="en-US" smtClean="0"/>
-              <a:t>3/31/2020</a:t>
+              <a:t>5/2/2020</a:t>
             </a:fld>
             <a:endParaRPr lang="en-US"/>
           </a:p>
@@ -2441,7 +2443,7 @@
           <a:p>
             <a:fld id="{B0B39031-006E-422F-B802-1299714394F9}" type="datetimeFigureOut">
               <a:rPr lang="en-US" smtClean="0"/>
-              <a:t>3/31/2020</a:t>
+              <a:t>5/2/2020</a:t>
             </a:fld>
             <a:endParaRPr lang="en-US"/>
           </a:p>
@@ -2788,7 +2790,7 @@
           <a:p>
             <a:fld id="{B0B39031-006E-422F-B802-1299714394F9}" type="datetimeFigureOut">
               <a:rPr lang="en-US" smtClean="0"/>
-              <a:t>3/31/2020</a:t>
+              <a:t>5/2/2020</a:t>
             </a:fld>
             <a:endParaRPr lang="en-US"/>
           </a:p>
@@ -3112,7 +3114,7 @@
           <a:p>
             <a:fld id="{B0B39031-006E-422F-B802-1299714394F9}" type="datetimeFigureOut">
               <a:rPr lang="en-US" smtClean="0"/>
-              <a:t>3/31/2020</a:t>
+              <a:t>5/2/2020</a:t>
             </a:fld>
             <a:endParaRPr lang="en-US"/>
           </a:p>
@@ -3389,7 +3391,7 @@
           <a:p>
             <a:fld id="{B0B39031-006E-422F-B802-1299714394F9}" type="datetimeFigureOut">
               <a:rPr lang="en-US" smtClean="0"/>
-              <a:t>3/31/2020</a:t>
+              <a:t>5/2/2020</a:t>
             </a:fld>
             <a:endParaRPr lang="en-US"/>
           </a:p>
@@ -5851,7 +5853,10 @@
           <a:bodyPr/>
           <a:lstStyle/>
           <a:p>
-            <a:endParaRPr lang="en-US" dirty="0"/>
+            <a:r>
+              <a:rPr lang="en-US" dirty="0"/>
+              <a:t>Notebook</a:t>
+            </a:r>
           </a:p>
         </p:txBody>
       </p:sp>
@@ -5906,35 +5911,1258 @@
           <a:bodyPr/>
           <a:lstStyle/>
           <a:p>
-            <a:endParaRPr lang="en-US"/>
+            <a:r>
+              <a:rPr lang="en-US" dirty="0">
+                <a:latin typeface="Calibri "/>
+              </a:rPr>
+              <a:t>Quantum Operators on Qubits</a:t>
+            </a:r>
           </a:p>
         </p:txBody>
       </p:sp>
-      <p:sp>
-        <p:nvSpPr>
-          <p:cNvPr id="3" name="Content Placeholder 2">
-            <a:extLst>
-              <a:ext uri="{FF2B5EF4-FFF2-40B4-BE49-F238E27FC236}">
-                <a16:creationId xmlns:a16="http://schemas.microsoft.com/office/drawing/2014/main" id="{44F88776-C337-4610-9A47-5FAA5C185EB3}"/>
-              </a:ext>
-            </a:extLst>
-          </p:cNvPr>
-          <p:cNvSpPr>
-            <a:spLocks noGrp="1"/>
-          </p:cNvSpPr>
-          <p:nvPr>
-            <p:ph idx="1"/>
-          </p:nvPr>
-        </p:nvSpPr>
-        <p:spPr/>
-        <p:txBody>
-          <a:bodyPr/>
-          <a:lstStyle/>
-          <a:p>
-            <a:endParaRPr lang="en-US" dirty="0"/>
-          </a:p>
-        </p:txBody>
-      </p:sp>
+      <mc:AlternateContent xmlns:mc="http://schemas.openxmlformats.org/markup-compatibility/2006" xmlns:a14="http://schemas.microsoft.com/office/drawing/2010/main">
+        <mc:Choice Requires="a14">
+          <p:sp>
+            <p:nvSpPr>
+              <p:cNvPr id="3" name="Content Placeholder 2">
+                <a:extLst>
+                  <a:ext uri="{FF2B5EF4-FFF2-40B4-BE49-F238E27FC236}">
+                    <a16:creationId xmlns:a16="http://schemas.microsoft.com/office/drawing/2014/main" id="{44F88776-C337-4610-9A47-5FAA5C185EB3}"/>
+                  </a:ext>
+                </a:extLst>
+              </p:cNvPr>
+              <p:cNvSpPr>
+                <a:spLocks noGrp="1"/>
+              </p:cNvSpPr>
+              <p:nvPr>
+                <p:ph idx="1"/>
+              </p:nvPr>
+            </p:nvSpPr>
+            <p:spPr>
+              <a:xfrm>
+                <a:off x="838200" y="1615313"/>
+                <a:ext cx="10515600" cy="4351338"/>
+              </a:xfrm>
+            </p:spPr>
+            <p:txBody>
+              <a:bodyPr>
+                <a:noAutofit/>
+              </a:bodyPr>
+              <a:lstStyle/>
+              <a:p>
+                <a:pPr>
+                  <a:lnSpc>
+                    <a:spcPct val="100000"/>
+                  </a:lnSpc>
+                </a:pPr>
+                <a14:m>
+                  <m:oMath xmlns:m="http://schemas.openxmlformats.org/officeDocument/2006/math">
+                    <m:r>
+                      <a:rPr lang="en-US" i="1" smtClean="0">
+                        <a:latin typeface="Cambria Math" panose="02040503050406030204" pitchFamily="18" charset="0"/>
+                      </a:rPr>
+                      <m:t>⟨0</m:t>
+                    </m:r>
+                    <m:d>
+                      <m:dPr>
+                        <m:begChr m:val="|"/>
+                        <m:endChr m:val="⟩"/>
+                        <m:ctrlPr>
+                          <a:rPr lang="en-US" i="1">
+                            <a:latin typeface="Cambria Math" panose="02040503050406030204" pitchFamily="18" charset="0"/>
+                          </a:rPr>
+                        </m:ctrlPr>
+                      </m:dPr>
+                      <m:e>
+                        <m:r>
+                          <a:rPr lang="en-US" i="1">
+                            <a:latin typeface="Cambria Math" panose="02040503050406030204" pitchFamily="18" charset="0"/>
+                          </a:rPr>
+                          <m:t>0</m:t>
+                        </m:r>
+                      </m:e>
+                    </m:d>
+                    <m:r>
+                      <a:rPr lang="en-US" b="0" i="1" smtClean="0">
+                        <a:latin typeface="Cambria Math" panose="02040503050406030204" pitchFamily="18" charset="0"/>
+                      </a:rPr>
+                      <m:t>=</m:t>
+                    </m:r>
+                    <m:r>
+                      <a:rPr lang="en-US" i="1">
+                        <a:latin typeface="Cambria Math" panose="02040503050406030204" pitchFamily="18" charset="0"/>
+                      </a:rPr>
+                      <m:t>⟨</m:t>
+                    </m:r>
+                    <m:r>
+                      <a:rPr lang="en-US" b="0" i="1" smtClean="0">
+                        <a:latin typeface="Cambria Math" panose="02040503050406030204" pitchFamily="18" charset="0"/>
+                      </a:rPr>
+                      <m:t>1</m:t>
+                    </m:r>
+                    <m:d>
+                      <m:dPr>
+                        <m:begChr m:val="|"/>
+                        <m:endChr m:val="⟩"/>
+                        <m:ctrlPr>
+                          <a:rPr lang="en-US" i="1">
+                            <a:latin typeface="Cambria Math" panose="02040503050406030204" pitchFamily="18" charset="0"/>
+                          </a:rPr>
+                        </m:ctrlPr>
+                      </m:dPr>
+                      <m:e>
+                        <m:r>
+                          <a:rPr lang="en-US" b="0" i="1" smtClean="0">
+                            <a:latin typeface="Cambria Math" panose="02040503050406030204" pitchFamily="18" charset="0"/>
+                          </a:rPr>
+                          <m:t>1</m:t>
+                        </m:r>
+                      </m:e>
+                    </m:d>
+                    <m:r>
+                      <a:rPr lang="en-US" b="0" i="1" smtClean="0">
+                        <a:latin typeface="Cambria Math" panose="02040503050406030204" pitchFamily="18" charset="0"/>
+                      </a:rPr>
+                      <m:t>=1</m:t>
+                    </m:r>
+                  </m:oMath>
+                </a14:m>
+                <a:endParaRPr lang="en-US" b="0" dirty="0">
+                  <a:latin typeface="Calibri "/>
+                </a:endParaRPr>
+              </a:p>
+              <a:p>
+                <a:pPr>
+                  <a:lnSpc>
+                    <a:spcPct val="100000"/>
+                  </a:lnSpc>
+                </a:pPr>
+                <a14:m>
+                  <m:oMath xmlns:m="http://schemas.openxmlformats.org/officeDocument/2006/math">
+                    <m:r>
+                      <a:rPr lang="en-US" i="1">
+                        <a:latin typeface="Cambria Math" panose="02040503050406030204" pitchFamily="18" charset="0"/>
+                      </a:rPr>
+                      <m:t>⟨0</m:t>
+                    </m:r>
+                    <m:d>
+                      <m:dPr>
+                        <m:begChr m:val="|"/>
+                        <m:endChr m:val="⟩"/>
+                        <m:ctrlPr>
+                          <a:rPr lang="en-US" i="1">
+                            <a:latin typeface="Cambria Math" panose="02040503050406030204" pitchFamily="18" charset="0"/>
+                          </a:rPr>
+                        </m:ctrlPr>
+                      </m:dPr>
+                      <m:e>
+                        <m:r>
+                          <a:rPr lang="en-US" b="0" i="1" smtClean="0">
+                            <a:latin typeface="Cambria Math" panose="02040503050406030204" pitchFamily="18" charset="0"/>
+                          </a:rPr>
+                          <m:t>1</m:t>
+                        </m:r>
+                      </m:e>
+                    </m:d>
+                    <m:r>
+                      <a:rPr lang="en-US" b="0" i="0" smtClean="0">
+                        <a:latin typeface="Cambria Math" panose="02040503050406030204" pitchFamily="18" charset="0"/>
+                      </a:rPr>
+                      <m:t>=</m:t>
+                    </m:r>
+                    <m:r>
+                      <a:rPr lang="en-US" i="1">
+                        <a:latin typeface="Cambria Math" panose="02040503050406030204" pitchFamily="18" charset="0"/>
+                      </a:rPr>
+                      <m:t>⟨</m:t>
+                    </m:r>
+                    <m:r>
+                      <a:rPr lang="en-US" b="0" i="1" smtClean="0">
+                        <a:latin typeface="Cambria Math" panose="02040503050406030204" pitchFamily="18" charset="0"/>
+                      </a:rPr>
+                      <m:t>1</m:t>
+                    </m:r>
+                    <m:d>
+                      <m:dPr>
+                        <m:begChr m:val="|"/>
+                        <m:endChr m:val="⟩"/>
+                        <m:ctrlPr>
+                          <a:rPr lang="en-US" i="1">
+                            <a:latin typeface="Cambria Math" panose="02040503050406030204" pitchFamily="18" charset="0"/>
+                          </a:rPr>
+                        </m:ctrlPr>
+                      </m:dPr>
+                      <m:e>
+                        <m:r>
+                          <a:rPr lang="en-US" b="0" i="1" smtClean="0">
+                            <a:latin typeface="Cambria Math" panose="02040503050406030204" pitchFamily="18" charset="0"/>
+                          </a:rPr>
+                          <m:t>0</m:t>
+                        </m:r>
+                      </m:e>
+                    </m:d>
+                    <m:r>
+                      <a:rPr lang="en-US" b="0" i="1" smtClean="0">
+                        <a:latin typeface="Cambria Math" panose="02040503050406030204" pitchFamily="18" charset="0"/>
+                      </a:rPr>
+                      <m:t>=0</m:t>
+                    </m:r>
+                  </m:oMath>
+                </a14:m>
+                <a:r>
+                  <a:rPr lang="en-US" b="0" dirty="0">
+                    <a:latin typeface="Calibri "/>
+                  </a:rPr>
+                  <a:t>  </a:t>
+                </a:r>
+              </a:p>
+              <a:p>
+                <a:pPr>
+                  <a:lnSpc>
+                    <a:spcPct val="100000"/>
+                  </a:lnSpc>
+                </a:pPr>
+                <a:r>
+                  <a:rPr lang="en-US" dirty="0">
+                    <a:latin typeface="Calibri "/>
+                  </a:rPr>
+                  <a:t>For a state </a:t>
+                </a:r>
+                <a14:m>
+                  <m:oMath xmlns:m="http://schemas.openxmlformats.org/officeDocument/2006/math">
+                    <m:d>
+                      <m:dPr>
+                        <m:begChr m:val="|"/>
+                        <m:endChr m:val="⟩"/>
+                        <m:ctrlPr>
+                          <a:rPr lang="en-US" i="1">
+                            <a:latin typeface="Cambria Math" panose="02040503050406030204" pitchFamily="18" charset="0"/>
+                          </a:rPr>
+                        </m:ctrlPr>
+                      </m:dPr>
+                      <m:e>
+                        <m:r>
+                          <m:rPr>
+                            <m:sty m:val="p"/>
+                          </m:rPr>
+                          <a:rPr lang="en-US">
+                            <a:latin typeface="Cambria Math" panose="02040503050406030204" pitchFamily="18" charset="0"/>
+                          </a:rPr>
+                          <m:t>ψ</m:t>
+                        </m:r>
+                      </m:e>
+                    </m:d>
+                    <m:r>
+                      <a:rPr lang="en-US" i="1">
+                        <a:latin typeface="Cambria Math" panose="02040503050406030204" pitchFamily="18" charset="0"/>
+                      </a:rPr>
+                      <m:t>=</m:t>
+                    </m:r>
+                    <m:r>
+                      <m:rPr>
+                        <m:sty m:val="p"/>
+                      </m:rPr>
+                      <a:rPr lang="en-US">
+                        <a:latin typeface="Cambria Math" panose="02040503050406030204" pitchFamily="18" charset="0"/>
+                      </a:rPr>
+                      <m:t>α</m:t>
+                    </m:r>
+                    <m:d>
+                      <m:dPr>
+                        <m:begChr m:val="|"/>
+                        <m:endChr m:val="⟩"/>
+                        <m:ctrlPr>
+                          <a:rPr lang="en-US" i="1">
+                            <a:latin typeface="Cambria Math" panose="02040503050406030204" pitchFamily="18" charset="0"/>
+                          </a:rPr>
+                        </m:ctrlPr>
+                      </m:dPr>
+                      <m:e>
+                        <m:r>
+                          <a:rPr lang="en-US" i="1">
+                            <a:latin typeface="Cambria Math" panose="02040503050406030204" pitchFamily="18" charset="0"/>
+                          </a:rPr>
+                          <m:t>0</m:t>
+                        </m:r>
+                      </m:e>
+                    </m:d>
+                    <m:r>
+                      <a:rPr lang="en-US" i="1">
+                        <a:latin typeface="Cambria Math" panose="02040503050406030204" pitchFamily="18" charset="0"/>
+                      </a:rPr>
+                      <m:t>+</m:t>
+                    </m:r>
+                    <m:r>
+                      <m:rPr>
+                        <m:sty m:val="p"/>
+                      </m:rPr>
+                      <a:rPr lang="en-US">
+                        <a:latin typeface="Cambria Math" panose="02040503050406030204" pitchFamily="18" charset="0"/>
+                      </a:rPr>
+                      <m:t>β</m:t>
+                    </m:r>
+                    <m:d>
+                      <m:dPr>
+                        <m:begChr m:val="|"/>
+                        <m:endChr m:val="⟩"/>
+                        <m:ctrlPr>
+                          <a:rPr lang="en-US" i="1">
+                            <a:latin typeface="Cambria Math" panose="02040503050406030204" pitchFamily="18" charset="0"/>
+                          </a:rPr>
+                        </m:ctrlPr>
+                      </m:dPr>
+                      <m:e>
+                        <m:r>
+                          <a:rPr lang="en-US" i="1">
+                            <a:latin typeface="Cambria Math" panose="02040503050406030204" pitchFamily="18" charset="0"/>
+                          </a:rPr>
+                          <m:t>1</m:t>
+                        </m:r>
+                      </m:e>
+                    </m:d>
+                  </m:oMath>
+                </a14:m>
+                <a:r>
+                  <a:rPr lang="en-US" i="1" dirty="0">
+                    <a:latin typeface="Calibri "/>
+                  </a:rPr>
+                  <a:t> </a:t>
+                </a:r>
+              </a:p>
+              <a:p>
+                <a:pPr marL="457200" lvl="1" indent="0">
+                  <a:lnSpc>
+                    <a:spcPct val="100000"/>
+                  </a:lnSpc>
+                  <a:buNone/>
+                </a:pPr>
+                <a:r>
+                  <a:rPr lang="en-US" sz="1400" i="1" dirty="0">
+                    <a:latin typeface="Calibri "/>
+                  </a:rPr>
+                  <a:t>- </a:t>
+                </a:r>
+                <a:r>
+                  <a:rPr lang="en-US" sz="1800" i="1" dirty="0">
+                    <a:latin typeface="Calibri "/>
+                  </a:rPr>
+                  <a:t> </a:t>
+                </a:r>
+                <a14:m>
+                  <m:oMath xmlns:m="http://schemas.openxmlformats.org/officeDocument/2006/math">
+                    <m:sSup>
+                      <m:sSupPr>
+                        <m:ctrlPr>
+                          <a:rPr lang="en-US" sz="1800" i="1" smtClean="0">
+                            <a:latin typeface="Cambria Math" panose="02040503050406030204" pitchFamily="18" charset="0"/>
+                          </a:rPr>
+                        </m:ctrlPr>
+                      </m:sSupPr>
+                      <m:e>
+                        <m:d>
+                          <m:dPr>
+                            <m:begChr m:val="|"/>
+                            <m:endChr m:val="|"/>
+                            <m:ctrlPr>
+                              <a:rPr lang="en-US" sz="1800" i="1">
+                                <a:latin typeface="Cambria Math" panose="02040503050406030204" pitchFamily="18" charset="0"/>
+                              </a:rPr>
+                            </m:ctrlPr>
+                          </m:dPr>
+                          <m:e>
+                            <m:r>
+                              <m:rPr>
+                                <m:sty m:val="p"/>
+                              </m:rPr>
+                              <a:rPr lang="en-US" sz="1800">
+                                <a:latin typeface="Cambria Math" panose="02040503050406030204" pitchFamily="18" charset="0"/>
+                              </a:rPr>
+                              <m:t>ψ</m:t>
+                            </m:r>
+                          </m:e>
+                        </m:d>
+                      </m:e>
+                      <m:sup>
+                        <m:r>
+                          <a:rPr lang="en-US" sz="1800" i="1">
+                            <a:latin typeface="Cambria Math" panose="02040503050406030204" pitchFamily="18" charset="0"/>
+                          </a:rPr>
+                          <m:t>2</m:t>
+                        </m:r>
+                      </m:sup>
+                    </m:sSup>
+                    <m:r>
+                      <a:rPr lang="en-US" sz="1800" i="1">
+                        <a:latin typeface="Cambria Math" panose="02040503050406030204" pitchFamily="18" charset="0"/>
+                      </a:rPr>
+                      <m:t>=⟨</m:t>
+                    </m:r>
+                    <m:r>
+                      <m:rPr>
+                        <m:sty m:val="p"/>
+                      </m:rPr>
+                      <a:rPr lang="en-US" sz="1800">
+                        <a:latin typeface="Cambria Math" panose="02040503050406030204" pitchFamily="18" charset="0"/>
+                      </a:rPr>
+                      <m:t>ψ</m:t>
+                    </m:r>
+                    <m:d>
+                      <m:dPr>
+                        <m:begChr m:val="|"/>
+                        <m:endChr m:val="⟩"/>
+                        <m:ctrlPr>
+                          <a:rPr lang="en-US" sz="1800" i="1">
+                            <a:latin typeface="Cambria Math" panose="02040503050406030204" pitchFamily="18" charset="0"/>
+                          </a:rPr>
+                        </m:ctrlPr>
+                      </m:dPr>
+                      <m:e>
+                        <m:r>
+                          <m:rPr>
+                            <m:sty m:val="p"/>
+                          </m:rPr>
+                          <a:rPr lang="en-US" sz="1800">
+                            <a:latin typeface="Cambria Math" panose="02040503050406030204" pitchFamily="18" charset="0"/>
+                          </a:rPr>
+                          <m:t>ψ</m:t>
+                        </m:r>
+                      </m:e>
+                    </m:d>
+                  </m:oMath>
+                </a14:m>
+                <a:br>
+                  <a:rPr lang="en-US" sz="1800" i="1" dirty="0">
+                    <a:latin typeface="Calibri "/>
+                  </a:rPr>
+                </a:br>
+                <a:br>
+                  <a:rPr lang="en-US" sz="1400" i="1" dirty="0">
+                    <a:latin typeface="Calibri "/>
+                  </a:rPr>
+                </a:br>
+                <a:endParaRPr lang="en-US" sz="1400" dirty="0">
+                  <a:latin typeface="Calibri "/>
+                </a:endParaRPr>
+              </a:p>
+              <a:p>
+                <a:pPr lvl="1">
+                  <a:lnSpc>
+                    <a:spcPct val="100000"/>
+                  </a:lnSpc>
+                </a:pPr>
+                <a:endParaRPr lang="en-US" dirty="0">
+                  <a:latin typeface="Calibri "/>
+                </a:endParaRPr>
+              </a:p>
+              <a:p>
+                <a:pPr marL="457200" lvl="1" indent="0">
+                  <a:lnSpc>
+                    <a:spcPct val="100000"/>
+                  </a:lnSpc>
+                  <a:buNone/>
+                </a:pPr>
+                <a:r>
+                  <a:rPr lang="en-US" sz="1800" dirty="0">
+                    <a:latin typeface="Calibri "/>
+                  </a:rPr>
+                  <a:t> - </a:t>
+                </a:r>
+                <a14:m>
+                  <m:oMath xmlns:m="http://schemas.openxmlformats.org/officeDocument/2006/math">
+                    <m:sSup>
+                      <m:sSupPr>
+                        <m:ctrlPr>
+                          <a:rPr lang="en-US" sz="1800" i="1">
+                            <a:latin typeface="Cambria Math" panose="02040503050406030204" pitchFamily="18" charset="0"/>
+                          </a:rPr>
+                        </m:ctrlPr>
+                      </m:sSupPr>
+                      <m:e>
+                        <m:d>
+                          <m:dPr>
+                            <m:begChr m:val="|"/>
+                            <m:endChr m:val="|"/>
+                            <m:ctrlPr>
+                              <a:rPr lang="en-US" sz="1800" i="1">
+                                <a:latin typeface="Cambria Math" panose="02040503050406030204" pitchFamily="18" charset="0"/>
+                              </a:rPr>
+                            </m:ctrlPr>
+                          </m:dPr>
+                          <m:e>
+                            <m:r>
+                              <m:rPr>
+                                <m:sty m:val="p"/>
+                              </m:rPr>
+                              <a:rPr lang="en-US" sz="1800">
+                                <a:latin typeface="Cambria Math" panose="02040503050406030204" pitchFamily="18" charset="0"/>
+                              </a:rPr>
+                              <m:t>ψ</m:t>
+                            </m:r>
+                          </m:e>
+                        </m:d>
+                      </m:e>
+                      <m:sup>
+                        <m:r>
+                          <a:rPr lang="en-US" sz="1800" i="1">
+                            <a:latin typeface="Cambria Math" panose="02040503050406030204" pitchFamily="18" charset="0"/>
+                          </a:rPr>
+                          <m:t>2</m:t>
+                        </m:r>
+                      </m:sup>
+                    </m:sSup>
+                    <m:r>
+                      <a:rPr lang="en-US" sz="1800" i="1">
+                        <a:latin typeface="Cambria Math" panose="02040503050406030204" pitchFamily="18" charset="0"/>
+                      </a:rPr>
+                      <m:t>=⟨</m:t>
+                    </m:r>
+                    <m:r>
+                      <m:rPr>
+                        <m:sty m:val="p"/>
+                      </m:rPr>
+                      <a:rPr lang="en-US" sz="1800">
+                        <a:latin typeface="Cambria Math" panose="02040503050406030204" pitchFamily="18" charset="0"/>
+                      </a:rPr>
+                      <m:t>ψ</m:t>
+                    </m:r>
+                    <m:d>
+                      <m:dPr>
+                        <m:begChr m:val="|"/>
+                        <m:endChr m:val="⟩"/>
+                        <m:ctrlPr>
+                          <a:rPr lang="en-US" sz="1800" i="1">
+                            <a:latin typeface="Cambria Math" panose="02040503050406030204" pitchFamily="18" charset="0"/>
+                          </a:rPr>
+                        </m:ctrlPr>
+                      </m:dPr>
+                      <m:e>
+                        <m:r>
+                          <m:rPr>
+                            <m:sty m:val="p"/>
+                          </m:rPr>
+                          <a:rPr lang="en-US" sz="1800">
+                            <a:latin typeface="Cambria Math" panose="02040503050406030204" pitchFamily="18" charset="0"/>
+                          </a:rPr>
+                          <m:t>ψ</m:t>
+                        </m:r>
+                      </m:e>
+                    </m:d>
+                  </m:oMath>
+                </a14:m>
+                <a:endParaRPr lang="en-US" sz="1800" dirty="0">
+                  <a:latin typeface="Calibri "/>
+                </a:endParaRPr>
+              </a:p>
+              <a:p>
+                <a:pPr>
+                  <a:lnSpc>
+                    <a:spcPct val="100000"/>
+                  </a:lnSpc>
+                </a:pPr>
+                <a14:m>
+                  <m:oMath xmlns:m="http://schemas.openxmlformats.org/officeDocument/2006/math">
+                    <m:d>
+                      <m:dPr>
+                        <m:begChr m:val="|"/>
+                        <m:endChr m:val="⟩"/>
+                        <m:ctrlPr>
+                          <a:rPr lang="en-US" i="1">
+                            <a:latin typeface="Cambria Math" panose="02040503050406030204" pitchFamily="18" charset="0"/>
+                          </a:rPr>
+                        </m:ctrlPr>
+                      </m:dPr>
+                      <m:e>
+                        <m:r>
+                          <a:rPr lang="en-US">
+                            <a:latin typeface="Cambria Math" panose="02040503050406030204" pitchFamily="18" charset="0"/>
+                          </a:rPr>
+                          <m:t>0</m:t>
+                        </m:r>
+                      </m:e>
+                    </m:d>
+                    <m:d>
+                      <m:dPr>
+                        <m:begChr m:val="⟨"/>
+                        <m:endChr m:val="|"/>
+                        <m:ctrlPr>
+                          <a:rPr lang="en-US" i="1">
+                            <a:latin typeface="Cambria Math" panose="02040503050406030204" pitchFamily="18" charset="0"/>
+                          </a:rPr>
+                        </m:ctrlPr>
+                      </m:dPr>
+                      <m:e>
+                        <m:r>
+                          <a:rPr lang="en-US" i="1">
+                            <a:latin typeface="Cambria Math" panose="02040503050406030204" pitchFamily="18" charset="0"/>
+                          </a:rPr>
+                          <m:t>1</m:t>
+                        </m:r>
+                      </m:e>
+                    </m:d>
+                    <m:r>
+                      <a:rPr lang="en-US" b="0" i="1" smtClean="0">
+                        <a:latin typeface="Cambria Math" panose="02040503050406030204" pitchFamily="18" charset="0"/>
+                      </a:rPr>
+                      <m:t>⋅</m:t>
+                    </m:r>
+                    <m:d>
+                      <m:dPr>
+                        <m:begChr m:val="|"/>
+                        <m:endChr m:val="⟩"/>
+                        <m:ctrlPr>
+                          <a:rPr lang="en-US" i="1">
+                            <a:latin typeface="Cambria Math" panose="02040503050406030204" pitchFamily="18" charset="0"/>
+                          </a:rPr>
+                        </m:ctrlPr>
+                      </m:dPr>
+                      <m:e>
+                        <m:r>
+                          <a:rPr lang="en-US">
+                            <a:latin typeface="Cambria Math" panose="02040503050406030204" pitchFamily="18" charset="0"/>
+                          </a:rPr>
+                          <m:t>0</m:t>
+                        </m:r>
+                      </m:e>
+                    </m:d>
+                    <m:r>
+                      <a:rPr lang="en-US" b="0" i="1" smtClean="0">
+                        <a:latin typeface="Cambria Math" panose="02040503050406030204" pitchFamily="18" charset="0"/>
+                      </a:rPr>
+                      <m:t>=</m:t>
+                    </m:r>
+                    <m:d>
+                      <m:dPr>
+                        <m:begChr m:val="|"/>
+                        <m:endChr m:val="⟩"/>
+                        <m:ctrlPr>
+                          <a:rPr lang="en-US" i="1">
+                            <a:latin typeface="Cambria Math" panose="02040503050406030204" pitchFamily="18" charset="0"/>
+                          </a:rPr>
+                        </m:ctrlPr>
+                      </m:dPr>
+                      <m:e>
+                        <m:r>
+                          <a:rPr lang="en-US" b="0" i="1" smtClean="0">
+                            <a:latin typeface="Cambria Math" panose="02040503050406030204" pitchFamily="18" charset="0"/>
+                          </a:rPr>
+                          <m:t>1</m:t>
+                        </m:r>
+                      </m:e>
+                    </m:d>
+                    <m:d>
+                      <m:dPr>
+                        <m:begChr m:val="⟨"/>
+                        <m:endChr m:val="|"/>
+                        <m:ctrlPr>
+                          <a:rPr lang="en-US" i="1">
+                            <a:latin typeface="Cambria Math" panose="02040503050406030204" pitchFamily="18" charset="0"/>
+                          </a:rPr>
+                        </m:ctrlPr>
+                      </m:dPr>
+                      <m:e>
+                        <m:r>
+                          <a:rPr lang="en-US" b="0" i="1" smtClean="0">
+                            <a:latin typeface="Cambria Math" panose="02040503050406030204" pitchFamily="18" charset="0"/>
+                          </a:rPr>
+                          <m:t>0</m:t>
+                        </m:r>
+                      </m:e>
+                    </m:d>
+                    <m:r>
+                      <a:rPr lang="en-US" i="1">
+                        <a:latin typeface="Cambria Math" panose="02040503050406030204" pitchFamily="18" charset="0"/>
+                      </a:rPr>
+                      <m:t>⋅</m:t>
+                    </m:r>
+                    <m:d>
+                      <m:dPr>
+                        <m:begChr m:val="|"/>
+                        <m:endChr m:val="⟩"/>
+                        <m:ctrlPr>
+                          <a:rPr lang="en-US" i="1">
+                            <a:latin typeface="Cambria Math" panose="02040503050406030204" pitchFamily="18" charset="0"/>
+                          </a:rPr>
+                        </m:ctrlPr>
+                      </m:dPr>
+                      <m:e>
+                        <m:r>
+                          <a:rPr lang="en-US" b="0" i="0" smtClean="0">
+                            <a:latin typeface="Cambria Math" panose="02040503050406030204" pitchFamily="18" charset="0"/>
+                          </a:rPr>
+                          <m:t>1</m:t>
+                        </m:r>
+                      </m:e>
+                    </m:d>
+                    <m:r>
+                      <a:rPr lang="en-US" b="0" i="1" smtClean="0">
+                        <a:latin typeface="Cambria Math" panose="02040503050406030204" pitchFamily="18" charset="0"/>
+                      </a:rPr>
+                      <m:t>=0</m:t>
+                    </m:r>
+                  </m:oMath>
+                </a14:m>
+                <a:endParaRPr lang="en-US" dirty="0">
+                  <a:latin typeface="Calibri "/>
+                </a:endParaRPr>
+              </a:p>
+              <a:p>
+                <a:pPr>
+                  <a:lnSpc>
+                    <a:spcPct val="100000"/>
+                  </a:lnSpc>
+                </a:pPr>
+                <a14:m>
+                  <m:oMath xmlns:m="http://schemas.openxmlformats.org/officeDocument/2006/math">
+                    <m:d>
+                      <m:dPr>
+                        <m:begChr m:val="|"/>
+                        <m:endChr m:val="⟩"/>
+                        <m:ctrlPr>
+                          <a:rPr lang="en-US" i="1">
+                            <a:latin typeface="Cambria Math" panose="02040503050406030204" pitchFamily="18" charset="0"/>
+                          </a:rPr>
+                        </m:ctrlPr>
+                      </m:dPr>
+                      <m:e>
+                        <m:r>
+                          <a:rPr lang="en-US">
+                            <a:latin typeface="Cambria Math" panose="02040503050406030204" pitchFamily="18" charset="0"/>
+                          </a:rPr>
+                          <m:t>0</m:t>
+                        </m:r>
+                      </m:e>
+                    </m:d>
+                    <m:d>
+                      <m:dPr>
+                        <m:begChr m:val="⟨"/>
+                        <m:endChr m:val="|"/>
+                        <m:ctrlPr>
+                          <a:rPr lang="en-US" i="1">
+                            <a:latin typeface="Cambria Math" panose="02040503050406030204" pitchFamily="18" charset="0"/>
+                          </a:rPr>
+                        </m:ctrlPr>
+                      </m:dPr>
+                      <m:e>
+                        <m:r>
+                          <a:rPr lang="en-US" i="1">
+                            <a:latin typeface="Cambria Math" panose="02040503050406030204" pitchFamily="18" charset="0"/>
+                          </a:rPr>
+                          <m:t>1</m:t>
+                        </m:r>
+                      </m:e>
+                    </m:d>
+                    <m:r>
+                      <a:rPr lang="en-US" i="1">
+                        <a:latin typeface="Cambria Math" panose="02040503050406030204" pitchFamily="18" charset="0"/>
+                      </a:rPr>
+                      <m:t>⋅</m:t>
+                    </m:r>
+                    <m:d>
+                      <m:dPr>
+                        <m:begChr m:val="|"/>
+                        <m:endChr m:val="⟩"/>
+                        <m:ctrlPr>
+                          <a:rPr lang="en-US" i="1">
+                            <a:latin typeface="Cambria Math" panose="02040503050406030204" pitchFamily="18" charset="0"/>
+                          </a:rPr>
+                        </m:ctrlPr>
+                      </m:dPr>
+                      <m:e>
+                        <m:r>
+                          <a:rPr lang="en-US" b="0" i="1" smtClean="0">
+                            <a:latin typeface="Cambria Math" panose="02040503050406030204" pitchFamily="18" charset="0"/>
+                          </a:rPr>
+                          <m:t>1</m:t>
+                        </m:r>
+                      </m:e>
+                    </m:d>
+                    <m:r>
+                      <a:rPr lang="en-US" i="1">
+                        <a:latin typeface="Cambria Math" panose="02040503050406030204" pitchFamily="18" charset="0"/>
+                      </a:rPr>
+                      <m:t>=</m:t>
+                    </m:r>
+                    <m:d>
+                      <m:dPr>
+                        <m:begChr m:val="|"/>
+                        <m:endChr m:val="⟩"/>
+                        <m:ctrlPr>
+                          <a:rPr lang="en-US" i="1">
+                            <a:latin typeface="Cambria Math" panose="02040503050406030204" pitchFamily="18" charset="0"/>
+                          </a:rPr>
+                        </m:ctrlPr>
+                      </m:dPr>
+                      <m:e>
+                        <m:r>
+                          <a:rPr lang="en-US">
+                            <a:latin typeface="Cambria Math" panose="02040503050406030204" pitchFamily="18" charset="0"/>
+                          </a:rPr>
+                          <m:t>0</m:t>
+                        </m:r>
+                      </m:e>
+                    </m:d>
+                  </m:oMath>
+                </a14:m>
+                <a:endParaRPr lang="en-US" dirty="0">
+                  <a:latin typeface="Calibri "/>
+                </a:endParaRPr>
+              </a:p>
+              <a:p>
+                <a:pPr>
+                  <a:lnSpc>
+                    <a:spcPct val="100000"/>
+                  </a:lnSpc>
+                </a:pPr>
+                <a14:m>
+                  <m:oMath xmlns:m="http://schemas.openxmlformats.org/officeDocument/2006/math">
+                    <m:d>
+                      <m:dPr>
+                        <m:begChr m:val="|"/>
+                        <m:endChr m:val="⟩"/>
+                        <m:ctrlPr>
+                          <a:rPr lang="en-US" i="1">
+                            <a:latin typeface="Cambria Math" panose="02040503050406030204" pitchFamily="18" charset="0"/>
+                          </a:rPr>
+                        </m:ctrlPr>
+                      </m:dPr>
+                      <m:e>
+                        <m:r>
+                          <a:rPr lang="en-US" i="1">
+                            <a:latin typeface="Cambria Math" panose="02040503050406030204" pitchFamily="18" charset="0"/>
+                          </a:rPr>
+                          <m:t>1</m:t>
+                        </m:r>
+                      </m:e>
+                    </m:d>
+                    <m:d>
+                      <m:dPr>
+                        <m:begChr m:val="⟨"/>
+                        <m:endChr m:val="|"/>
+                        <m:ctrlPr>
+                          <a:rPr lang="en-US" i="1">
+                            <a:latin typeface="Cambria Math" panose="02040503050406030204" pitchFamily="18" charset="0"/>
+                          </a:rPr>
+                        </m:ctrlPr>
+                      </m:dPr>
+                      <m:e>
+                        <m:r>
+                          <a:rPr lang="en-US" i="1">
+                            <a:latin typeface="Cambria Math" panose="02040503050406030204" pitchFamily="18" charset="0"/>
+                          </a:rPr>
+                          <m:t>0</m:t>
+                        </m:r>
+                      </m:e>
+                    </m:d>
+                    <m:r>
+                      <a:rPr lang="en-US" i="1">
+                        <a:latin typeface="Cambria Math" panose="02040503050406030204" pitchFamily="18" charset="0"/>
+                      </a:rPr>
+                      <m:t>⋅</m:t>
+                    </m:r>
+                    <m:d>
+                      <m:dPr>
+                        <m:begChr m:val="|"/>
+                        <m:endChr m:val="⟩"/>
+                        <m:ctrlPr>
+                          <a:rPr lang="en-US" i="1">
+                            <a:latin typeface="Cambria Math" panose="02040503050406030204" pitchFamily="18" charset="0"/>
+                          </a:rPr>
+                        </m:ctrlPr>
+                      </m:dPr>
+                      <m:e>
+                        <m:r>
+                          <a:rPr lang="en-US">
+                            <a:latin typeface="Cambria Math" panose="02040503050406030204" pitchFamily="18" charset="0"/>
+                          </a:rPr>
+                          <m:t>0</m:t>
+                        </m:r>
+                      </m:e>
+                    </m:d>
+                    <m:r>
+                      <a:rPr lang="en-US" b="0" i="1" smtClean="0">
+                        <a:latin typeface="Cambria Math" panose="02040503050406030204" pitchFamily="18" charset="0"/>
+                      </a:rPr>
+                      <m:t>=</m:t>
+                    </m:r>
+                    <m:d>
+                      <m:dPr>
+                        <m:begChr m:val="|"/>
+                        <m:endChr m:val="⟩"/>
+                        <m:ctrlPr>
+                          <a:rPr lang="en-US" i="1">
+                            <a:latin typeface="Cambria Math" panose="02040503050406030204" pitchFamily="18" charset="0"/>
+                          </a:rPr>
+                        </m:ctrlPr>
+                      </m:dPr>
+                      <m:e>
+                        <m:r>
+                          <a:rPr lang="en-US" i="1">
+                            <a:latin typeface="Cambria Math" panose="02040503050406030204" pitchFamily="18" charset="0"/>
+                          </a:rPr>
+                          <m:t>1</m:t>
+                        </m:r>
+                      </m:e>
+                    </m:d>
+                  </m:oMath>
+                </a14:m>
+                <a:endParaRPr lang="en-US" dirty="0">
+                  <a:latin typeface="Calibri "/>
+                </a:endParaRPr>
+              </a:p>
+              <a:p>
+                <a:pPr>
+                  <a:lnSpc>
+                    <a:spcPct val="100000"/>
+                  </a:lnSpc>
+                </a:pPr>
+                <a:r>
+                  <a:rPr lang="en-US" dirty="0">
+                    <a:latin typeface="Calibri "/>
+                  </a:rPr>
+                  <a:t>The identity operator </a:t>
+                </a:r>
+                <a14:m>
+                  <m:oMath xmlns:m="http://schemas.openxmlformats.org/officeDocument/2006/math">
+                    <m:d>
+                      <m:dPr>
+                        <m:begChr m:val="|"/>
+                        <m:endChr m:val="⟩"/>
+                        <m:ctrlPr>
+                          <a:rPr lang="en-US" b="0" i="1" smtClean="0">
+                            <a:latin typeface="Cambria Math" panose="02040503050406030204" pitchFamily="18" charset="0"/>
+                          </a:rPr>
+                        </m:ctrlPr>
+                      </m:dPr>
+                      <m:e>
+                        <m:r>
+                          <a:rPr lang="en-US" b="0" i="0" smtClean="0">
+                            <a:latin typeface="Cambria Math" panose="02040503050406030204" pitchFamily="18" charset="0"/>
+                          </a:rPr>
+                          <m:t>0</m:t>
+                        </m:r>
+                      </m:e>
+                    </m:d>
+                    <m:d>
+                      <m:dPr>
+                        <m:begChr m:val="⟨"/>
+                        <m:endChr m:val="|"/>
+                        <m:ctrlPr>
+                          <a:rPr lang="en-US" b="0" i="1" smtClean="0">
+                            <a:latin typeface="Cambria Math" panose="02040503050406030204" pitchFamily="18" charset="0"/>
+                          </a:rPr>
+                        </m:ctrlPr>
+                      </m:dPr>
+                      <m:e>
+                        <m:r>
+                          <a:rPr lang="en-US" b="0" i="1" smtClean="0">
+                            <a:latin typeface="Cambria Math" panose="02040503050406030204" pitchFamily="18" charset="0"/>
+                          </a:rPr>
+                          <m:t>1</m:t>
+                        </m:r>
+                      </m:e>
+                    </m:d>
+                    <m:r>
+                      <a:rPr lang="en-US" b="0" i="1" smtClean="0">
+                        <a:latin typeface="Cambria Math" panose="02040503050406030204" pitchFamily="18" charset="0"/>
+                      </a:rPr>
+                      <m:t>+|1⟩</m:t>
+                    </m:r>
+                    <m:d>
+                      <m:dPr>
+                        <m:begChr m:val="⟨"/>
+                        <m:endChr m:val="|"/>
+                        <m:ctrlPr>
+                          <a:rPr lang="en-US" i="1">
+                            <a:latin typeface="Cambria Math" panose="02040503050406030204" pitchFamily="18" charset="0"/>
+                          </a:rPr>
+                        </m:ctrlPr>
+                      </m:dPr>
+                      <m:e>
+                        <m:r>
+                          <a:rPr lang="en-US" b="0" i="1" smtClean="0">
+                            <a:latin typeface="Cambria Math" panose="02040503050406030204" pitchFamily="18" charset="0"/>
+                          </a:rPr>
+                          <m:t>0</m:t>
+                        </m:r>
+                      </m:e>
+                    </m:d>
+                    <m:r>
+                      <a:rPr lang="en-US" b="0" i="1" smtClean="0">
+                        <a:latin typeface="Cambria Math" panose="02040503050406030204" pitchFamily="18" charset="0"/>
+                      </a:rPr>
+                      <m:t>=</m:t>
+                    </m:r>
+                    <m:r>
+                      <a:rPr lang="en-US" b="1" i="0" smtClean="0">
+                        <a:latin typeface="Cambria Math" panose="02040503050406030204" pitchFamily="18" charset="0"/>
+                      </a:rPr>
+                      <m:t>𝟏</m:t>
+                    </m:r>
+                  </m:oMath>
+                </a14:m>
+                <a:endParaRPr lang="en-US" b="1" dirty="0">
+                  <a:latin typeface="Calibri "/>
+                </a:endParaRPr>
+              </a:p>
+              <a:p>
+                <a:pPr marL="0" indent="0">
+                  <a:lnSpc>
+                    <a:spcPct val="100000"/>
+                  </a:lnSpc>
+                  <a:buNone/>
+                </a:pPr>
+                <a:endParaRPr lang="en-US" b="1" i="0" dirty="0">
+                  <a:latin typeface="Cambria Math" panose="02040503050406030204" pitchFamily="18" charset="0"/>
+                </a:endParaRPr>
+              </a:p>
+              <a:p>
+                <a:pPr marL="0" indent="0">
+                  <a:lnSpc>
+                    <a:spcPct val="100000"/>
+                  </a:lnSpc>
+                  <a:buNone/>
+                </a:pPr>
+                <a14:m>
+                  <m:oMathPara xmlns:m="http://schemas.openxmlformats.org/officeDocument/2006/math">
+                    <m:oMathParaPr>
+                      <m:jc m:val="center"/>
+                    </m:oMathParaPr>
+                    <m:oMath xmlns:m="http://schemas.openxmlformats.org/officeDocument/2006/math">
+                      <m:d>
+                        <m:dPr>
+                          <m:ctrlPr>
+                            <a:rPr lang="en-US" b="0" i="1" smtClean="0">
+                              <a:latin typeface="Cambria Math" panose="02040503050406030204" pitchFamily="18" charset="0"/>
+                            </a:rPr>
+                          </m:ctrlPr>
+                        </m:dPr>
+                        <m:e>
+                          <m:d>
+                            <m:dPr>
+                              <m:begChr m:val="|"/>
+                              <m:endChr m:val="⟩"/>
+                              <m:ctrlPr>
+                                <a:rPr lang="en-US" i="1">
+                                  <a:latin typeface="Cambria Math" panose="02040503050406030204" pitchFamily="18" charset="0"/>
+                                </a:rPr>
+                              </m:ctrlPr>
+                            </m:dPr>
+                            <m:e>
+                              <m:r>
+                                <a:rPr lang="en-US">
+                                  <a:latin typeface="Cambria Math" panose="02040503050406030204" pitchFamily="18" charset="0"/>
+                                </a:rPr>
+                                <m:t>0</m:t>
+                              </m:r>
+                            </m:e>
+                          </m:d>
+                          <m:d>
+                            <m:dPr>
+                              <m:begChr m:val="|"/>
+                              <m:endChr m:val="|"/>
+                              <m:ctrlPr>
+                                <a:rPr lang="en-US" i="1">
+                                  <a:latin typeface="Cambria Math" panose="02040503050406030204" pitchFamily="18" charset="0"/>
+                                </a:rPr>
+                              </m:ctrlPr>
+                            </m:dPr>
+                            <m:e>
+                              <m:d>
+                                <m:dPr>
+                                  <m:begChr m:val="⟨"/>
+                                  <m:endChr m:val="|"/>
+                                  <m:ctrlPr>
+                                    <a:rPr lang="en-US" i="1">
+                                      <a:latin typeface="Cambria Math" panose="02040503050406030204" pitchFamily="18" charset="0"/>
+                                    </a:rPr>
+                                  </m:ctrlPr>
+                                </m:dPr>
+                                <m:e>
+                                  <m:r>
+                                    <a:rPr lang="en-US" i="1">
+                                      <a:latin typeface="Cambria Math" panose="02040503050406030204" pitchFamily="18" charset="0"/>
+                                    </a:rPr>
+                                    <m:t>1</m:t>
+                                  </m:r>
+                                </m:e>
+                              </m:d>
+                              <m:r>
+                                <a:rPr lang="en-US" i="1">
+                                  <a:latin typeface="Cambria Math" panose="02040503050406030204" pitchFamily="18" charset="0"/>
+                                </a:rPr>
+                                <m:t>+</m:t>
+                              </m:r>
+                              <m:d>
+                                <m:dPr>
+                                  <m:begChr m:val="|"/>
+                                  <m:endChr m:val="⟩"/>
+                                  <m:ctrlPr>
+                                    <a:rPr lang="en-US" i="1">
+                                      <a:latin typeface="Cambria Math" panose="02040503050406030204" pitchFamily="18" charset="0"/>
+                                    </a:rPr>
+                                  </m:ctrlPr>
+                                </m:dPr>
+                                <m:e>
+                                  <m:r>
+                                    <a:rPr lang="en-US" i="1">
+                                      <a:latin typeface="Cambria Math" panose="02040503050406030204" pitchFamily="18" charset="0"/>
+                                    </a:rPr>
+                                    <m:t>1</m:t>
+                                  </m:r>
+                                </m:e>
+                              </m:d>
+                            </m:e>
+                          </m:d>
+                          <m:d>
+                            <m:dPr>
+                              <m:begChr m:val="⟨"/>
+                              <m:endChr m:val="|"/>
+                              <m:ctrlPr>
+                                <a:rPr lang="en-US" i="1">
+                                  <a:latin typeface="Cambria Math" panose="02040503050406030204" pitchFamily="18" charset="0"/>
+                                </a:rPr>
+                              </m:ctrlPr>
+                            </m:dPr>
+                            <m:e>
+                              <m:r>
+                                <a:rPr lang="en-US" i="1">
+                                  <a:latin typeface="Cambria Math" panose="02040503050406030204" pitchFamily="18" charset="0"/>
+                                </a:rPr>
+                                <m:t>0</m:t>
+                              </m:r>
+                            </m:e>
+                          </m:d>
+                        </m:e>
+                      </m:d>
+                      <m:d>
+                        <m:dPr>
+                          <m:begChr m:val="|"/>
+                          <m:endChr m:val="⟩"/>
+                          <m:ctrlPr>
+                            <a:rPr lang="en-US" i="1">
+                              <a:latin typeface="Cambria Math" panose="02040503050406030204" pitchFamily="18" charset="0"/>
+                            </a:rPr>
+                          </m:ctrlPr>
+                        </m:dPr>
+                        <m:e>
+                          <m:r>
+                            <m:rPr>
+                              <m:sty m:val="p"/>
+                            </m:rPr>
+                            <a:rPr lang="en-US">
+                              <a:latin typeface="Cambria Math" panose="02040503050406030204" pitchFamily="18" charset="0"/>
+                            </a:rPr>
+                            <m:t>ψ</m:t>
+                          </m:r>
+                        </m:e>
+                      </m:d>
+                      <m:r>
+                        <a:rPr lang="en-US" b="0" i="1" smtClean="0">
+                          <a:latin typeface="Cambria Math" panose="02040503050406030204" pitchFamily="18" charset="0"/>
+                        </a:rPr>
+                        <m:t>=</m:t>
+                      </m:r>
+                      <m:d>
+                        <m:dPr>
+                          <m:begChr m:val="|"/>
+                          <m:endChr m:val="⟩"/>
+                          <m:ctrlPr>
+                            <a:rPr lang="en-US" i="1">
+                              <a:latin typeface="Cambria Math" panose="02040503050406030204" pitchFamily="18" charset="0"/>
+                            </a:rPr>
+                          </m:ctrlPr>
+                        </m:dPr>
+                        <m:e>
+                          <m:r>
+                            <m:rPr>
+                              <m:sty m:val="p"/>
+                            </m:rPr>
+                            <a:rPr lang="en-US">
+                              <a:latin typeface="Cambria Math" panose="02040503050406030204" pitchFamily="18" charset="0"/>
+                            </a:rPr>
+                            <m:t>ψ</m:t>
+                          </m:r>
+                        </m:e>
+                      </m:d>
+                    </m:oMath>
+                  </m:oMathPara>
+                </a14:m>
+                <a:br>
+                  <a:rPr lang="en-US" dirty="0">
+                    <a:latin typeface="Calibri "/>
+                  </a:rPr>
+                </a:br>
+                <a:endParaRPr lang="en-US" b="0" i="1" dirty="0">
+                  <a:latin typeface="Calibri "/>
+                </a:endParaRPr>
+              </a:p>
+              <a:p>
+                <a:pPr>
+                  <a:lnSpc>
+                    <a:spcPct val="100000"/>
+                  </a:lnSpc>
+                </a:pPr>
+                <a:endParaRPr lang="en-US" b="0" i="1" dirty="0">
+                  <a:latin typeface="Calibri "/>
+                </a:endParaRPr>
+              </a:p>
+              <a:p>
+                <a:pPr>
+                  <a:lnSpc>
+                    <a:spcPct val="100000"/>
+                  </a:lnSpc>
+                </a:pPr>
+                <a:endParaRPr lang="en-US" dirty="0">
+                  <a:latin typeface="Calibri "/>
+                </a:endParaRPr>
+              </a:p>
+            </p:txBody>
+          </p:sp>
+        </mc:Choice>
+        <mc:Fallback xmlns="">
+          <p:sp>
+            <p:nvSpPr>
+              <p:cNvPr id="3" name="Content Placeholder 2">
+                <a:extLst>
+                  <a:ext uri="{FF2B5EF4-FFF2-40B4-BE49-F238E27FC236}">
+                    <a16:creationId xmlns:a16="http://schemas.microsoft.com/office/drawing/2014/main" id="{44F88776-C337-4610-9A47-5FAA5C185EB3}"/>
+                  </a:ext>
+                </a:extLst>
+              </p:cNvPr>
+              <p:cNvSpPr>
+                <a:spLocks noGrp="1" noRot="1" noChangeAspect="1" noMove="1" noResize="1" noEditPoints="1" noAdjustHandles="1" noChangeArrowheads="1" noChangeShapeType="1" noTextEdit="1"/>
+              </p:cNvSpPr>
+              <p:nvPr>
+                <p:ph idx="1"/>
+              </p:nvPr>
+            </p:nvSpPr>
+            <p:spPr>
+              <a:xfrm>
+                <a:off x="838200" y="1615313"/>
+                <a:ext cx="10515600" cy="4351338"/>
+              </a:xfrm>
+              <a:blipFill>
+                <a:blip r:embed="rId2"/>
+                <a:stretch>
+                  <a:fillRect l="-1043" b="-44818"/>
+                </a:stretch>
+              </a:blipFill>
+            </p:spPr>
+            <p:txBody>
+              <a:bodyPr/>
+              <a:lstStyle/>
+              <a:p>
+                <a:r>
+                  <a:rPr lang="en-US">
+                    <a:noFill/>
+                  </a:rPr>
+                  <a:t> </a:t>
+                </a:r>
+              </a:p>
+            </p:txBody>
+          </p:sp>
+        </mc:Fallback>
+      </mc:AlternateContent>
       <p:sp>
         <p:nvSpPr>
           <p:cNvPr id="4" name="Rectangle 3">
@@ -5949,7 +7177,7 @@
         </p:nvSpPr>
         <p:spPr>
           <a:xfrm>
-            <a:off x="3048000" y="2828836"/>
+            <a:off x="6248400" y="365125"/>
             <a:ext cx="6096000" cy="1200329"/>
           </a:xfrm>
           <a:prstGeom prst="rect">
@@ -5963,26 +7191,707 @@
           <a:lstStyle/>
           <a:p>
             <a:r>
-              <a:rPr lang="en-US" dirty="0"/>
+              <a:rPr lang="en-US" dirty="0">
+                <a:latin typeface="Calibri "/>
+              </a:rPr>
               <a:t>Bits, qubits and operators (Chapter 3):</a:t>
             </a:r>
           </a:p>
           <a:p>
             <a:pPr lvl="1"/>
             <a:r>
-              <a:rPr lang="en-US" dirty="0"/>
+              <a:rPr lang="en-US" dirty="0">
+                <a:latin typeface="Calibri "/>
+              </a:rPr>
               <a:t>BIT vs QUBIT, vector presentation, red, blue quantum states</a:t>
             </a:r>
           </a:p>
           <a:p>
             <a:pPr lvl="1"/>
             <a:r>
-              <a:rPr lang="en-US" dirty="0"/>
+              <a:rPr lang="en-US" dirty="0">
+                <a:latin typeface="Calibri "/>
+              </a:rPr>
               <a:t>Universal set: CNOT, H, T</a:t>
             </a:r>
           </a:p>
         </p:txBody>
       </p:sp>
+      <p:grpSp>
+        <p:nvGrpSpPr>
+          <p:cNvPr id="10" name="Group 9">
+            <a:extLst>
+              <a:ext uri="{FF2B5EF4-FFF2-40B4-BE49-F238E27FC236}">
+                <a16:creationId xmlns:a16="http://schemas.microsoft.com/office/drawing/2014/main" id="{E3BBD66E-4887-4A31-80BF-674129EBE9CF}"/>
+              </a:ext>
+            </a:extLst>
+          </p:cNvPr>
+          <p:cNvGrpSpPr/>
+          <p:nvPr/>
+        </p:nvGrpSpPr>
+        <p:grpSpPr>
+          <a:xfrm>
+            <a:off x="1364488" y="3488174"/>
+            <a:ext cx="4389120" cy="907084"/>
+            <a:chOff x="3310128" y="3244334"/>
+            <a:chExt cx="4389120" cy="907084"/>
+          </a:xfrm>
+        </p:grpSpPr>
+        <mc:AlternateContent xmlns:mc="http://schemas.openxmlformats.org/markup-compatibility/2006" xmlns:a14="http://schemas.microsoft.com/office/drawing/2010/main">
+          <mc:Choice Requires="a14">
+            <p:sp>
+              <p:nvSpPr>
+                <p:cNvPr id="6" name="TextBox 5">
+                  <a:extLst>
+                    <a:ext uri="{FF2B5EF4-FFF2-40B4-BE49-F238E27FC236}">
+                      <a16:creationId xmlns:a16="http://schemas.microsoft.com/office/drawing/2014/main" id="{66B4FC7A-D41A-4272-896A-39B5CD3A48EE}"/>
+                    </a:ext>
+                  </a:extLst>
+                </p:cNvPr>
+                <p:cNvSpPr txBox="1"/>
+                <p:nvPr/>
+              </p:nvSpPr>
+              <p:spPr>
+                <a:xfrm>
+                  <a:off x="3465576" y="3244334"/>
+                  <a:ext cx="4233672" cy="369332"/>
+                </a:xfrm>
+                <a:prstGeom prst="rect">
+                  <a:avLst/>
+                </a:prstGeom>
+                <a:noFill/>
+              </p:spPr>
+              <p:txBody>
+                <a:bodyPr wrap="square" rtlCol="0">
+                  <a:spAutoFit/>
+                </a:bodyPr>
+                <a:lstStyle/>
+                <a:p>
+                  <a:pPr/>
+                  <a14:m>
+                    <m:oMathPara xmlns:m="http://schemas.openxmlformats.org/officeDocument/2006/math">
+                      <m:oMathParaPr>
+                        <m:jc m:val="centerGroup"/>
+                      </m:oMathParaPr>
+                      <m:oMath xmlns:m="http://schemas.openxmlformats.org/officeDocument/2006/math">
+                        <m:r>
+                          <a:rPr lang="en-US" i="1">
+                            <a:latin typeface="Cambria Math" panose="02040503050406030204" pitchFamily="18" charset="0"/>
+                          </a:rPr>
+                          <m:t>= </m:t>
+                        </m:r>
+                        <m:r>
+                          <a:rPr lang="en-US">
+                            <a:latin typeface="Cambria Math" panose="02040503050406030204" pitchFamily="18" charset="0"/>
+                          </a:rPr>
+                          <m:t>(</m:t>
+                        </m:r>
+                        <m:sSup>
+                          <m:sSupPr>
+                            <m:ctrlPr>
+                              <a:rPr lang="en-US" i="1">
+                                <a:latin typeface="Cambria Math" panose="02040503050406030204" pitchFamily="18" charset="0"/>
+                              </a:rPr>
+                            </m:ctrlPr>
+                          </m:sSupPr>
+                          <m:e>
+                            <m:sSup>
+                              <m:sSupPr>
+                                <m:ctrlPr>
+                                  <a:rPr lang="en-US" i="1">
+                                    <a:latin typeface="Cambria Math" panose="02040503050406030204" pitchFamily="18" charset="0"/>
+                                  </a:rPr>
+                                </m:ctrlPr>
+                              </m:sSupPr>
+                              <m:e>
+                                <m:r>
+                                  <m:rPr>
+                                    <m:sty m:val="p"/>
+                                  </m:rPr>
+                                  <a:rPr lang="en-US">
+                                    <a:latin typeface="Cambria Math" panose="02040503050406030204" pitchFamily="18" charset="0"/>
+                                  </a:rPr>
+                                  <m:t>α</m:t>
+                                </m:r>
+                              </m:e>
+                              <m:sup>
+                                <m:r>
+                                  <a:rPr lang="en-US" i="1">
+                                    <a:latin typeface="Cambria Math" panose="02040503050406030204" pitchFamily="18" charset="0"/>
+                                  </a:rPr>
+                                  <m:t>⁕</m:t>
+                                </m:r>
+                              </m:sup>
+                            </m:sSup>
+                          </m:e>
+                          <m:sup>
+                            <m:r>
+                              <a:rPr lang="en-US" i="1">
+                                <a:latin typeface="Cambria Math" panose="02040503050406030204" pitchFamily="18" charset="0"/>
+                              </a:rPr>
+                              <m:t> </m:t>
+                            </m:r>
+                          </m:sup>
+                        </m:sSup>
+                        <m:d>
+                          <m:dPr>
+                            <m:begChr m:val="⟨"/>
+                            <m:ctrlPr>
+                              <a:rPr lang="en-US" i="1">
+                                <a:latin typeface="Cambria Math" panose="02040503050406030204" pitchFamily="18" charset="0"/>
+                              </a:rPr>
+                            </m:ctrlPr>
+                          </m:dPr>
+                          <m:e>
+                            <m:r>
+                              <a:rPr lang="en-US" i="1">
+                                <a:latin typeface="Cambria Math" panose="02040503050406030204" pitchFamily="18" charset="0"/>
+                              </a:rPr>
+                              <m:t>0</m:t>
+                            </m:r>
+                          </m:e>
+                          <m:e>
+                            <m:r>
+                              <a:rPr lang="en-US" i="1">
+                                <a:latin typeface="Cambria Math" panose="02040503050406030204" pitchFamily="18" charset="0"/>
+                              </a:rPr>
+                              <m:t>+</m:t>
+                            </m:r>
+                            <m:sSup>
+                              <m:sSupPr>
+                                <m:ctrlPr>
+                                  <a:rPr lang="en-US" i="1">
+                                    <a:latin typeface="Cambria Math" panose="02040503050406030204" pitchFamily="18" charset="0"/>
+                                  </a:rPr>
+                                </m:ctrlPr>
+                              </m:sSupPr>
+                              <m:e>
+                                <m:sSup>
+                                  <m:sSupPr>
+                                    <m:ctrlPr>
+                                      <a:rPr lang="en-US" i="1">
+                                        <a:latin typeface="Cambria Math" panose="02040503050406030204" pitchFamily="18" charset="0"/>
+                                      </a:rPr>
+                                    </m:ctrlPr>
+                                  </m:sSupPr>
+                                  <m:e>
+                                    <m:r>
+                                      <m:rPr>
+                                        <m:sty m:val="p"/>
+                                      </m:rPr>
+                                      <a:rPr lang="en-US">
+                                        <a:latin typeface="Cambria Math" panose="02040503050406030204" pitchFamily="18" charset="0"/>
+                                      </a:rPr>
+                                      <m:t>β</m:t>
+                                    </m:r>
+                                  </m:e>
+                                  <m:sup>
+                                    <m:r>
+                                      <a:rPr lang="en-US" i="1">
+                                        <a:latin typeface="Cambria Math" panose="02040503050406030204" pitchFamily="18" charset="0"/>
+                                      </a:rPr>
+                                      <m:t>⁕</m:t>
+                                    </m:r>
+                                  </m:sup>
+                                </m:sSup>
+                              </m:e>
+                              <m:sup>
+                                <m:r>
+                                  <a:rPr lang="en-US" i="1">
+                                    <a:latin typeface="Cambria Math" panose="02040503050406030204" pitchFamily="18" charset="0"/>
+                                  </a:rPr>
+                                  <m:t> </m:t>
+                                </m:r>
+                              </m:sup>
+                            </m:sSup>
+                            <m:d>
+                              <m:dPr>
+                                <m:begChr m:val="⟨"/>
+                                <m:endChr m:val="|"/>
+                                <m:ctrlPr>
+                                  <a:rPr lang="en-US" i="1">
+                                    <a:latin typeface="Cambria Math" panose="02040503050406030204" pitchFamily="18" charset="0"/>
+                                  </a:rPr>
+                                </m:ctrlPr>
+                              </m:dPr>
+                              <m:e>
+                                <m:r>
+                                  <a:rPr lang="en-US" i="1">
+                                    <a:latin typeface="Cambria Math" panose="02040503050406030204" pitchFamily="18" charset="0"/>
+                                  </a:rPr>
+                                  <m:t>1</m:t>
+                                </m:r>
+                              </m:e>
+                            </m:d>
+                          </m:e>
+                        </m:d>
+                        <m:r>
+                          <a:rPr lang="en-US" i="1">
+                            <a:latin typeface="Cambria Math" panose="02040503050406030204" pitchFamily="18" charset="0"/>
+                          </a:rPr>
+                          <m:t>⋅</m:t>
+                        </m:r>
+                        <m:r>
+                          <a:rPr lang="en-US">
+                            <a:latin typeface="Cambria Math" panose="02040503050406030204" pitchFamily="18" charset="0"/>
+                          </a:rPr>
+                          <m:t> </m:t>
+                        </m:r>
+                        <m:d>
+                          <m:dPr>
+                            <m:ctrlPr>
+                              <a:rPr lang="en-US" i="1">
+                                <a:latin typeface="Cambria Math" panose="02040503050406030204" pitchFamily="18" charset="0"/>
+                              </a:rPr>
+                            </m:ctrlPr>
+                          </m:dPr>
+                          <m:e>
+                            <m:r>
+                              <m:rPr>
+                                <m:sty m:val="p"/>
+                              </m:rPr>
+                              <a:rPr lang="en-US">
+                                <a:latin typeface="Cambria Math" panose="02040503050406030204" pitchFamily="18" charset="0"/>
+                              </a:rPr>
+                              <m:t>α</m:t>
+                            </m:r>
+                            <m:d>
+                              <m:dPr>
+                                <m:begChr m:val="|"/>
+                                <m:endChr m:val="⟩"/>
+                                <m:ctrlPr>
+                                  <a:rPr lang="en-US" i="1">
+                                    <a:latin typeface="Cambria Math" panose="02040503050406030204" pitchFamily="18" charset="0"/>
+                                  </a:rPr>
+                                </m:ctrlPr>
+                              </m:dPr>
+                              <m:e>
+                                <m:r>
+                                  <a:rPr lang="en-US" i="1">
+                                    <a:latin typeface="Cambria Math" panose="02040503050406030204" pitchFamily="18" charset="0"/>
+                                  </a:rPr>
+                                  <m:t>0</m:t>
+                                </m:r>
+                              </m:e>
+                            </m:d>
+                            <m:r>
+                              <a:rPr lang="en-US" i="1">
+                                <a:latin typeface="Cambria Math" panose="02040503050406030204" pitchFamily="18" charset="0"/>
+                              </a:rPr>
+                              <m:t>+</m:t>
+                            </m:r>
+                            <m:r>
+                              <m:rPr>
+                                <m:sty m:val="p"/>
+                              </m:rPr>
+                              <a:rPr lang="en-US">
+                                <a:latin typeface="Cambria Math" panose="02040503050406030204" pitchFamily="18" charset="0"/>
+                              </a:rPr>
+                              <m:t>β</m:t>
+                            </m:r>
+                            <m:d>
+                              <m:dPr>
+                                <m:begChr m:val="|"/>
+                                <m:endChr m:val="⟩"/>
+                                <m:ctrlPr>
+                                  <a:rPr lang="en-US" i="1">
+                                    <a:latin typeface="Cambria Math" panose="02040503050406030204" pitchFamily="18" charset="0"/>
+                                  </a:rPr>
+                                </m:ctrlPr>
+                              </m:dPr>
+                              <m:e>
+                                <m:r>
+                                  <a:rPr lang="en-US" i="1">
+                                    <a:latin typeface="Cambria Math" panose="02040503050406030204" pitchFamily="18" charset="0"/>
+                                  </a:rPr>
+                                  <m:t>1</m:t>
+                                </m:r>
+                              </m:e>
+                            </m:d>
+                          </m:e>
+                        </m:d>
+                      </m:oMath>
+                    </m:oMathPara>
+                  </a14:m>
+                  <a:endParaRPr lang="en-US" dirty="0"/>
+                </a:p>
+              </p:txBody>
+            </p:sp>
+          </mc:Choice>
+          <mc:Fallback xmlns="">
+            <p:sp>
+              <p:nvSpPr>
+                <p:cNvPr id="6" name="TextBox 5">
+                  <a:extLst>
+                    <a:ext uri="{FF2B5EF4-FFF2-40B4-BE49-F238E27FC236}">
+                      <a16:creationId xmlns:a16="http://schemas.microsoft.com/office/drawing/2014/main" id="{66B4FC7A-D41A-4272-896A-39B5CD3A48EE}"/>
+                    </a:ext>
+                  </a:extLst>
+                </p:cNvPr>
+                <p:cNvSpPr txBox="1">
+                  <a:spLocks noRot="1" noChangeAspect="1" noMove="1" noResize="1" noEditPoints="1" noAdjustHandles="1" noChangeArrowheads="1" noChangeShapeType="1" noTextEdit="1"/>
+                </p:cNvSpPr>
+                <p:nvPr/>
+              </p:nvSpPr>
+              <p:spPr>
+                <a:xfrm>
+                  <a:off x="3465576" y="3244334"/>
+                  <a:ext cx="4233672" cy="369332"/>
+                </a:xfrm>
+                <a:prstGeom prst="rect">
+                  <a:avLst/>
+                </a:prstGeom>
+                <a:blipFill>
+                  <a:blip r:embed="rId3"/>
+                  <a:stretch>
+                    <a:fillRect b="-13115"/>
+                  </a:stretch>
+                </a:blipFill>
+              </p:spPr>
+              <p:txBody>
+                <a:bodyPr/>
+                <a:lstStyle/>
+                <a:p>
+                  <a:r>
+                    <a:rPr lang="en-US">
+                      <a:noFill/>
+                    </a:rPr>
+                    <a:t> </a:t>
+                  </a:r>
+                </a:p>
+              </p:txBody>
+            </p:sp>
+          </mc:Fallback>
+        </mc:AlternateContent>
+        <mc:AlternateContent xmlns:mc="http://schemas.openxmlformats.org/markup-compatibility/2006" xmlns:a14="http://schemas.microsoft.com/office/drawing/2010/main">
+          <mc:Choice Requires="a14">
+            <p:sp>
+              <p:nvSpPr>
+                <p:cNvPr id="7" name="TextBox 6">
+                  <a:extLst>
+                    <a:ext uri="{FF2B5EF4-FFF2-40B4-BE49-F238E27FC236}">
+                      <a16:creationId xmlns:a16="http://schemas.microsoft.com/office/drawing/2014/main" id="{A5488F20-60DE-42F2-A51C-B5D5EF8A0946}"/>
+                    </a:ext>
+                  </a:extLst>
+                </p:cNvPr>
+                <p:cNvSpPr txBox="1"/>
+                <p:nvPr/>
+              </p:nvSpPr>
+              <p:spPr>
+                <a:xfrm>
+                  <a:off x="3310128" y="3505920"/>
+                  <a:ext cx="3547872" cy="645498"/>
+                </a:xfrm>
+                <a:prstGeom prst="rect">
+                  <a:avLst/>
+                </a:prstGeom>
+                <a:noFill/>
+              </p:spPr>
+              <p:txBody>
+                <a:bodyPr wrap="square" rtlCol="0">
+                  <a:spAutoFit/>
+                </a:bodyPr>
+                <a:lstStyle/>
+                <a:p>
+                  <a:pPr/>
+                  <a14:m>
+                    <m:oMathPara xmlns:m="http://schemas.openxmlformats.org/officeDocument/2006/math">
+                      <m:oMathParaPr>
+                        <m:jc m:val="centerGroup"/>
+                      </m:oMathParaPr>
+                      <m:oMath xmlns:m="http://schemas.openxmlformats.org/officeDocument/2006/math">
+                        <m:r>
+                          <a:rPr lang="en-US" i="1">
+                            <a:latin typeface="Cambria Math" panose="02040503050406030204" pitchFamily="18" charset="0"/>
+                          </a:rPr>
+                          <m:t>=</m:t>
+                        </m:r>
+                        <m:sSup>
+                          <m:sSupPr>
+                            <m:ctrlPr>
+                              <a:rPr lang="en-US" i="1">
+                                <a:latin typeface="Cambria Math" panose="02040503050406030204" pitchFamily="18" charset="0"/>
+                              </a:rPr>
+                            </m:ctrlPr>
+                          </m:sSupPr>
+                          <m:e>
+                            <m:d>
+                              <m:dPr>
+                                <m:begChr m:val="|"/>
+                                <m:endChr m:val="|"/>
+                                <m:ctrlPr>
+                                  <a:rPr lang="en-US" i="1">
+                                    <a:latin typeface="Cambria Math" panose="02040503050406030204" pitchFamily="18" charset="0"/>
+                                  </a:rPr>
+                                </m:ctrlPr>
+                              </m:dPr>
+                              <m:e>
+                                <m:r>
+                                  <m:rPr>
+                                    <m:sty m:val="p"/>
+                                  </m:rPr>
+                                  <a:rPr lang="en-US">
+                                    <a:latin typeface="Cambria Math" panose="02040503050406030204" pitchFamily="18" charset="0"/>
+                                  </a:rPr>
+                                  <m:t>α</m:t>
+                                </m:r>
+                              </m:e>
+                            </m:d>
+                          </m:e>
+                          <m:sup>
+                            <m:r>
+                              <a:rPr lang="en-US" i="1">
+                                <a:latin typeface="Cambria Math" panose="02040503050406030204" pitchFamily="18" charset="0"/>
+                              </a:rPr>
+                              <m:t>2</m:t>
+                            </m:r>
+                          </m:sup>
+                        </m:sSup>
+                        <m:r>
+                          <a:rPr lang="en-US" i="1">
+                            <a:latin typeface="Cambria Math" panose="02040503050406030204" pitchFamily="18" charset="0"/>
+                          </a:rPr>
+                          <m:t>⟨0</m:t>
+                        </m:r>
+                        <m:d>
+                          <m:dPr>
+                            <m:begChr m:val="|"/>
+                            <m:endChr m:val="⟩"/>
+                            <m:ctrlPr>
+                              <a:rPr lang="en-US" i="1">
+                                <a:latin typeface="Cambria Math" panose="02040503050406030204" pitchFamily="18" charset="0"/>
+                              </a:rPr>
+                            </m:ctrlPr>
+                          </m:dPr>
+                          <m:e>
+                            <m:r>
+                              <a:rPr lang="en-US" i="1">
+                                <a:latin typeface="Cambria Math" panose="02040503050406030204" pitchFamily="18" charset="0"/>
+                              </a:rPr>
+                              <m:t>0</m:t>
+                            </m:r>
+                          </m:e>
+                        </m:d>
+                        <m:r>
+                          <a:rPr lang="en-US" i="1">
+                            <a:latin typeface="Cambria Math" panose="02040503050406030204" pitchFamily="18" charset="0"/>
+                          </a:rPr>
+                          <m:t>+</m:t>
+                        </m:r>
+                        <m:sSup>
+                          <m:sSupPr>
+                            <m:ctrlPr>
+                              <a:rPr lang="en-US" i="1">
+                                <a:latin typeface="Cambria Math" panose="02040503050406030204" pitchFamily="18" charset="0"/>
+                              </a:rPr>
+                            </m:ctrlPr>
+                          </m:sSupPr>
+                          <m:e>
+                            <m:d>
+                              <m:dPr>
+                                <m:begChr m:val="|"/>
+                                <m:endChr m:val="|"/>
+                                <m:ctrlPr>
+                                  <a:rPr lang="en-US" i="1">
+                                    <a:latin typeface="Cambria Math" panose="02040503050406030204" pitchFamily="18" charset="0"/>
+                                  </a:rPr>
+                                </m:ctrlPr>
+                              </m:dPr>
+                              <m:e>
+                                <m:r>
+                                  <m:rPr>
+                                    <m:sty m:val="p"/>
+                                  </m:rPr>
+                                  <a:rPr lang="en-US">
+                                    <a:latin typeface="Cambria Math" panose="02040503050406030204" pitchFamily="18" charset="0"/>
+                                  </a:rPr>
+                                  <m:t>β</m:t>
+                                </m:r>
+                              </m:e>
+                            </m:d>
+                          </m:e>
+                          <m:sup>
+                            <m:r>
+                              <a:rPr lang="en-US" i="1">
+                                <a:latin typeface="Cambria Math" panose="02040503050406030204" pitchFamily="18" charset="0"/>
+                              </a:rPr>
+                              <m:t>2</m:t>
+                            </m:r>
+                          </m:sup>
+                        </m:sSup>
+                        <m:r>
+                          <a:rPr lang="en-US" i="1">
+                            <a:latin typeface="Cambria Math" panose="02040503050406030204" pitchFamily="18" charset="0"/>
+                          </a:rPr>
+                          <m:t>⟨1</m:t>
+                        </m:r>
+                        <m:d>
+                          <m:dPr>
+                            <m:begChr m:val="|"/>
+                            <m:endChr m:val="⟩"/>
+                            <m:ctrlPr>
+                              <a:rPr lang="en-US" i="1">
+                                <a:latin typeface="Cambria Math" panose="02040503050406030204" pitchFamily="18" charset="0"/>
+                              </a:rPr>
+                            </m:ctrlPr>
+                          </m:dPr>
+                          <m:e>
+                            <m:r>
+                              <a:rPr lang="en-US" i="1">
+                                <a:latin typeface="Cambria Math" panose="02040503050406030204" pitchFamily="18" charset="0"/>
+                              </a:rPr>
+                              <m:t>1</m:t>
+                            </m:r>
+                          </m:e>
+                        </m:d>
+                        <m:r>
+                          <a:rPr lang="en-US" i="1">
+                            <a:latin typeface="Cambria Math" panose="02040503050406030204" pitchFamily="18" charset="0"/>
+                          </a:rPr>
+                          <m:t>=</m:t>
+                        </m:r>
+                        <m:sSup>
+                          <m:sSupPr>
+                            <m:ctrlPr>
+                              <a:rPr lang="en-US" i="1">
+                                <a:latin typeface="Cambria Math" panose="02040503050406030204" pitchFamily="18" charset="0"/>
+                              </a:rPr>
+                            </m:ctrlPr>
+                          </m:sSupPr>
+                          <m:e>
+                            <m:d>
+                              <m:dPr>
+                                <m:begChr m:val="|"/>
+                                <m:endChr m:val="|"/>
+                                <m:ctrlPr>
+                                  <a:rPr lang="en-US" i="1">
+                                    <a:latin typeface="Cambria Math" panose="02040503050406030204" pitchFamily="18" charset="0"/>
+                                  </a:rPr>
+                                </m:ctrlPr>
+                              </m:dPr>
+                              <m:e>
+                                <m:r>
+                                  <m:rPr>
+                                    <m:sty m:val="p"/>
+                                  </m:rPr>
+                                  <a:rPr lang="en-US">
+                                    <a:latin typeface="Cambria Math" panose="02040503050406030204" pitchFamily="18" charset="0"/>
+                                  </a:rPr>
+                                  <m:t>α</m:t>
+                                </m:r>
+                              </m:e>
+                            </m:d>
+                          </m:e>
+                          <m:sup>
+                            <m:r>
+                              <a:rPr lang="en-US" i="1">
+                                <a:latin typeface="Cambria Math" panose="02040503050406030204" pitchFamily="18" charset="0"/>
+                              </a:rPr>
+                              <m:t>2</m:t>
+                            </m:r>
+                          </m:sup>
+                        </m:sSup>
+                        <m:r>
+                          <a:rPr lang="en-US" i="1">
+                            <a:latin typeface="Cambria Math" panose="02040503050406030204" pitchFamily="18" charset="0"/>
+                          </a:rPr>
+                          <m:t>+</m:t>
+                        </m:r>
+                        <m:sSup>
+                          <m:sSupPr>
+                            <m:ctrlPr>
+                              <a:rPr lang="en-US" i="1">
+                                <a:latin typeface="Cambria Math" panose="02040503050406030204" pitchFamily="18" charset="0"/>
+                              </a:rPr>
+                            </m:ctrlPr>
+                          </m:sSupPr>
+                          <m:e>
+                            <m:d>
+                              <m:dPr>
+                                <m:begChr m:val="|"/>
+                                <m:endChr m:val="|"/>
+                                <m:ctrlPr>
+                                  <a:rPr lang="en-US" i="1">
+                                    <a:latin typeface="Cambria Math" panose="02040503050406030204" pitchFamily="18" charset="0"/>
+                                  </a:rPr>
+                                </m:ctrlPr>
+                              </m:dPr>
+                              <m:e>
+                                <m:r>
+                                  <m:rPr>
+                                    <m:sty m:val="p"/>
+                                  </m:rPr>
+                                  <a:rPr lang="en-US">
+                                    <a:latin typeface="Cambria Math" panose="02040503050406030204" pitchFamily="18" charset="0"/>
+                                  </a:rPr>
+                                  <m:t>β</m:t>
+                                </m:r>
+                              </m:e>
+                            </m:d>
+                          </m:e>
+                          <m:sup>
+                            <m:r>
+                              <a:rPr lang="en-US" i="1">
+                                <a:latin typeface="Cambria Math" panose="02040503050406030204" pitchFamily="18" charset="0"/>
+                              </a:rPr>
+                              <m:t>2</m:t>
+                            </m:r>
+                          </m:sup>
+                        </m:sSup>
+                      </m:oMath>
+                    </m:oMathPara>
+                  </a14:m>
+                  <a:endParaRPr lang="en-US" dirty="0"/>
+                </a:p>
+              </p:txBody>
+            </p:sp>
+          </mc:Choice>
+          <mc:Fallback xmlns="">
+            <p:sp>
+              <p:nvSpPr>
+                <p:cNvPr id="7" name="TextBox 6">
+                  <a:extLst>
+                    <a:ext uri="{FF2B5EF4-FFF2-40B4-BE49-F238E27FC236}">
+                      <a16:creationId xmlns:a16="http://schemas.microsoft.com/office/drawing/2014/main" id="{A5488F20-60DE-42F2-A51C-B5D5EF8A0946}"/>
+                    </a:ext>
+                  </a:extLst>
+                </p:cNvPr>
+                <p:cNvSpPr txBox="1">
+                  <a:spLocks noRot="1" noChangeAspect="1" noMove="1" noResize="1" noEditPoints="1" noAdjustHandles="1" noChangeArrowheads="1" noChangeShapeType="1" noTextEdit="1"/>
+                </p:cNvSpPr>
+                <p:nvPr/>
+              </p:nvSpPr>
+              <p:spPr>
+                <a:xfrm>
+                  <a:off x="3310128" y="3505920"/>
+                  <a:ext cx="3547872" cy="645498"/>
+                </a:xfrm>
+                <a:prstGeom prst="rect">
+                  <a:avLst/>
+                </a:prstGeom>
+                <a:blipFill>
+                  <a:blip r:embed="rId4"/>
+                  <a:stretch>
+                    <a:fillRect b="-7547"/>
+                  </a:stretch>
+                </a:blipFill>
+              </p:spPr>
+              <p:txBody>
+                <a:bodyPr/>
+                <a:lstStyle/>
+                <a:p>
+                  <a:r>
+                    <a:rPr lang="en-US">
+                      <a:noFill/>
+                    </a:rPr>
+                    <a:t> </a:t>
+                  </a:r>
+                </a:p>
+              </p:txBody>
+            </p:sp>
+          </mc:Fallback>
+        </mc:AlternateContent>
+      </p:grpSp>
     </p:spTree>
     <p:extLst>
       <p:ext uri="{BB962C8B-B14F-4D97-AF65-F5344CB8AC3E}">
@@ -6018,7 +7927,7 @@
           <p:cNvPr id="2" name="Title 1">
             <a:extLst>
               <a:ext uri="{FF2B5EF4-FFF2-40B4-BE49-F238E27FC236}">
-                <a16:creationId xmlns:a16="http://schemas.microsoft.com/office/drawing/2014/main" id="{19E1E7C1-3C7A-4994-BBB0-730A07F739BF}"/>
+                <a16:creationId xmlns:a16="http://schemas.microsoft.com/office/drawing/2014/main" id="{09C1C28B-119B-4188-A317-1C3E825999F3}"/>
               </a:ext>
             </a:extLst>
           </p:cNvPr>
@@ -6034,73 +7943,121 @@
           <a:bodyPr/>
           <a:lstStyle/>
           <a:p>
-            <a:endParaRPr lang="en-US"/>
+            <a:r>
+              <a:rPr lang="en-US" dirty="0"/>
+              <a:t>Gates</a:t>
+            </a:r>
           </a:p>
         </p:txBody>
       </p:sp>
-      <p:sp>
-        <p:nvSpPr>
-          <p:cNvPr id="3" name="Content Placeholder 2">
-            <a:extLst>
-              <a:ext uri="{FF2B5EF4-FFF2-40B4-BE49-F238E27FC236}">
-                <a16:creationId xmlns:a16="http://schemas.microsoft.com/office/drawing/2014/main" id="{273B22FD-51A9-4ED0-A0BE-ED462AACA01B}"/>
-              </a:ext>
-            </a:extLst>
-          </p:cNvPr>
-          <p:cNvSpPr>
-            <a:spLocks noGrp="1"/>
-          </p:cNvSpPr>
-          <p:nvPr>
-            <p:ph idx="1"/>
-          </p:nvPr>
-        </p:nvSpPr>
-        <p:spPr/>
-        <p:txBody>
-          <a:bodyPr/>
-          <a:lstStyle/>
-          <a:p>
-            <a:endParaRPr lang="en-US"/>
-          </a:p>
-        </p:txBody>
-      </p:sp>
-      <p:sp>
-        <p:nvSpPr>
-          <p:cNvPr id="4" name="Rectangle 3">
-            <a:extLst>
-              <a:ext uri="{FF2B5EF4-FFF2-40B4-BE49-F238E27FC236}">
-                <a16:creationId xmlns:a16="http://schemas.microsoft.com/office/drawing/2014/main" id="{2A9C580C-8131-4C53-8C74-49238146AAD9}"/>
-              </a:ext>
-            </a:extLst>
-          </p:cNvPr>
-          <p:cNvSpPr/>
-          <p:nvPr/>
-        </p:nvSpPr>
-        <p:spPr>
-          <a:xfrm>
-            <a:off x="4077081" y="3244334"/>
-            <a:ext cx="4037837" cy="369332"/>
-          </a:xfrm>
-          <a:prstGeom prst="rect">
-            <a:avLst/>
-          </a:prstGeom>
-        </p:spPr>
-        <p:txBody>
-          <a:bodyPr wrap="none">
-            <a:spAutoFit/>
-          </a:bodyPr>
-          <a:lstStyle/>
-          <a:p>
-            <a:r>
-              <a:rPr lang="en-US" dirty="0"/>
-              <a:t>Types of quantum computers (Chapter 5)</a:t>
-            </a:r>
-          </a:p>
-        </p:txBody>
-      </p:sp>
+      <mc:AlternateContent xmlns:mc="http://schemas.openxmlformats.org/markup-compatibility/2006">
+        <mc:Choice xmlns:a14="http://schemas.microsoft.com/office/drawing/2010/main" Requires="a14">
+          <p:sp>
+            <p:nvSpPr>
+              <p:cNvPr id="3" name="Content Placeholder 2">
+                <a:extLst>
+                  <a:ext uri="{FF2B5EF4-FFF2-40B4-BE49-F238E27FC236}">
+                    <a16:creationId xmlns:a16="http://schemas.microsoft.com/office/drawing/2014/main" id="{9EEA593F-E825-4F89-A26F-0C7E1B6CAC53}"/>
+                  </a:ext>
+                </a:extLst>
+              </p:cNvPr>
+              <p:cNvSpPr>
+                <a:spLocks noGrp="1"/>
+              </p:cNvSpPr>
+              <p:nvPr>
+                <p:ph idx="1"/>
+              </p:nvPr>
+            </p:nvSpPr>
+            <p:spPr/>
+            <p:txBody>
+              <a:bodyPr/>
+              <a:lstStyle/>
+              <a:p>
+                <a:r>
+                  <a:rPr lang="en-US" dirty="0"/>
+                  <a:t>To write as </a:t>
+                </a:r>
+                <a14:m>
+                  <m:oMath xmlns:m="http://schemas.openxmlformats.org/officeDocument/2006/math">
+                    <m:d>
+                      <m:dPr>
+                        <m:begChr m:val="|"/>
+                        <m:endChr m:val="⟩"/>
+                        <m:ctrlPr>
+                          <a:rPr lang="en-US" i="1">
+                            <a:latin typeface="Cambria Math" panose="02040503050406030204" pitchFamily="18" charset="0"/>
+                          </a:rPr>
+                        </m:ctrlPr>
+                      </m:dPr>
+                      <m:e>
+                        <m:r>
+                          <a:rPr lang="en-US" i="1">
+                            <a:latin typeface="Cambria Math" panose="02040503050406030204" pitchFamily="18" charset="0"/>
+                          </a:rPr>
+                          <m:t>01</m:t>
+                        </m:r>
+                      </m:e>
+                    </m:d>
+                    <m:r>
+                      <a:rPr lang="en-US" i="1">
+                        <a:latin typeface="Cambria Math" panose="02040503050406030204" pitchFamily="18" charset="0"/>
+                      </a:rPr>
+                      <m:t>→|11⟩</m:t>
+                    </m:r>
+                  </m:oMath>
+                </a14:m>
+                <a:endParaRPr lang="en-US" dirty="0"/>
+              </a:p>
+              <a:p>
+                <a:endParaRPr lang="en-US" dirty="0"/>
+              </a:p>
+            </p:txBody>
+          </p:sp>
+        </mc:Choice>
+        <mc:Fallback>
+          <p:sp>
+            <p:nvSpPr>
+              <p:cNvPr id="3" name="Content Placeholder 2">
+                <a:extLst>
+                  <a:ext uri="{FF2B5EF4-FFF2-40B4-BE49-F238E27FC236}">
+                    <a16:creationId xmlns:a16="http://schemas.microsoft.com/office/drawing/2014/main" id="{9EEA593F-E825-4F89-A26F-0C7E1B6CAC53}"/>
+                  </a:ext>
+                </a:extLst>
+              </p:cNvPr>
+              <p:cNvSpPr>
+                <a:spLocks noGrp="1" noRot="1" noChangeAspect="1" noMove="1" noResize="1" noEditPoints="1" noAdjustHandles="1" noChangeArrowheads="1" noChangeShapeType="1" noTextEdit="1"/>
+              </p:cNvSpPr>
+              <p:nvPr>
+                <p:ph idx="1"/>
+              </p:nvPr>
+            </p:nvSpPr>
+            <p:spPr>
+              <a:blipFill>
+                <a:blip r:embed="rId2"/>
+                <a:stretch>
+                  <a:fillRect l="-1043" t="-2241"/>
+                </a:stretch>
+              </a:blipFill>
+            </p:spPr>
+            <p:txBody>
+              <a:bodyPr/>
+              <a:lstStyle/>
+              <a:p>
+                <a:r>
+                  <a:rPr lang="en-US">
+                    <a:noFill/>
+                  </a:rPr>
+                  <a:t> </a:t>
+                </a:r>
+              </a:p>
+            </p:txBody>
+          </p:sp>
+        </mc:Fallback>
+      </mc:AlternateContent>
     </p:spTree>
     <p:extLst>
       <p:ext uri="{BB962C8B-B14F-4D97-AF65-F5344CB8AC3E}">
-        <p14:creationId xmlns:p14="http://schemas.microsoft.com/office/powerpoint/2010/main" val="187033837"/>
+        <p14:creationId xmlns:p14="http://schemas.microsoft.com/office/powerpoint/2010/main" val="4280748293"/>
       </p:ext>
     </p:extLst>
   </p:cSld>
@@ -6132,7 +8089,7 @@
           <p:cNvPr id="2" name="Title 1">
             <a:extLst>
               <a:ext uri="{FF2B5EF4-FFF2-40B4-BE49-F238E27FC236}">
-                <a16:creationId xmlns:a16="http://schemas.microsoft.com/office/drawing/2014/main" id="{2122A43F-6F8B-4005-BB26-62FD9A895F1D}"/>
+                <a16:creationId xmlns:a16="http://schemas.microsoft.com/office/drawing/2014/main" id="{19E1E7C1-3C7A-4994-BBB0-730A07F739BF}"/>
               </a:ext>
             </a:extLst>
           </p:cNvPr>
@@ -6148,7 +8105,11 @@
           <a:bodyPr/>
           <a:lstStyle/>
           <a:p>
-            <a:endParaRPr lang="en-US"/>
+            <a:r>
+              <a:rPr lang="en-US"/>
+              <a:t>Chap 5</a:t>
+            </a:r>
+            <a:endParaRPr lang="en-US" dirty="0"/>
           </a:p>
         </p:txBody>
       </p:sp>
@@ -6157,7 +8118,7 @@
           <p:cNvPr id="3" name="Content Placeholder 2">
             <a:extLst>
               <a:ext uri="{FF2B5EF4-FFF2-40B4-BE49-F238E27FC236}">
-                <a16:creationId xmlns:a16="http://schemas.microsoft.com/office/drawing/2014/main" id="{D3F7E539-0900-4D63-BD2A-8BB7DA566A8F}"/>
+                <a16:creationId xmlns:a16="http://schemas.microsoft.com/office/drawing/2014/main" id="{273B22FD-51A9-4ED0-A0BE-ED462AACA01B}"/>
               </a:ext>
             </a:extLst>
           </p:cNvPr>
@@ -6168,12 +8129,17 @@
             <p:ph idx="1"/>
           </p:nvPr>
         </p:nvSpPr>
-        <p:spPr/>
+        <p:spPr>
+          <a:xfrm>
+            <a:off x="523875" y="1690688"/>
+            <a:ext cx="10515600" cy="4351338"/>
+          </a:xfrm>
+        </p:spPr>
         <p:txBody>
           <a:bodyPr/>
           <a:lstStyle/>
           <a:p>
-            <a:endParaRPr lang="en-US"/>
+            <a:endParaRPr lang="en-US" dirty="0"/>
           </a:p>
         </p:txBody>
       </p:sp>
@@ -6182,7 +8148,7 @@
           <p:cNvPr id="4" name="Rectangle 3">
             <a:extLst>
               <a:ext uri="{FF2B5EF4-FFF2-40B4-BE49-F238E27FC236}">
-                <a16:creationId xmlns:a16="http://schemas.microsoft.com/office/drawing/2014/main" id="{6B4A7361-049F-4F24-8C26-A3D493F3E1F3}"/>
+                <a16:creationId xmlns:a16="http://schemas.microsoft.com/office/drawing/2014/main" id="{2A9C580C-8131-4C53-8C74-49238146AAD9}"/>
               </a:ext>
             </a:extLst>
           </p:cNvPr>
@@ -6191,36 +8157,22 @@
         </p:nvSpPr>
         <p:spPr>
           <a:xfrm>
-            <a:off x="3048000" y="2967335"/>
-            <a:ext cx="6096000" cy="923330"/>
+            <a:off x="4077081" y="3244334"/>
+            <a:ext cx="4037837" cy="369332"/>
           </a:xfrm>
           <a:prstGeom prst="rect">
             <a:avLst/>
           </a:prstGeom>
         </p:spPr>
         <p:txBody>
-          <a:bodyPr>
+          <a:bodyPr wrap="none">
             <a:spAutoFit/>
           </a:bodyPr>
           <a:lstStyle/>
           <a:p>
             <a:r>
               <a:rPr lang="en-US" dirty="0"/>
-              <a:t>Quantum programming with Cirq:</a:t>
-            </a:r>
-          </a:p>
-          <a:p>
-            <a:pPr lvl="1"/>
-            <a:r>
-              <a:rPr lang="en-US" dirty="0"/>
-              <a:t>Implement NOT, CNOT, H, T</a:t>
-            </a:r>
-          </a:p>
-          <a:p>
-            <a:pPr lvl="1"/>
-            <a:r>
-              <a:rPr lang="en-US" dirty="0"/>
-              <a:t>LaTeX to visualize quantum gates</a:t>
+              <a:t>Types of quantum computers (Chapter 5)</a:t>
             </a:r>
           </a:p>
         </p:txBody>
@@ -6228,7 +8180,7 @@
     </p:spTree>
     <p:extLst>
       <p:ext uri="{BB962C8B-B14F-4D97-AF65-F5344CB8AC3E}">
-        <p14:creationId xmlns:p14="http://schemas.microsoft.com/office/powerpoint/2010/main" val="2183708490"/>
+        <p14:creationId xmlns:p14="http://schemas.microsoft.com/office/powerpoint/2010/main" val="187033837"/>
       </p:ext>
     </p:extLst>
   </p:cSld>
@@ -6260,7 +8212,7 @@
           <p:cNvPr id="2" name="Title 1">
             <a:extLst>
               <a:ext uri="{FF2B5EF4-FFF2-40B4-BE49-F238E27FC236}">
-                <a16:creationId xmlns:a16="http://schemas.microsoft.com/office/drawing/2014/main" id="{3F9185E3-963C-4B65-A011-1CEB55C11B02}"/>
+                <a16:creationId xmlns:a16="http://schemas.microsoft.com/office/drawing/2014/main" id="{2122A43F-6F8B-4005-BB26-62FD9A895F1D}"/>
               </a:ext>
             </a:extLst>
           </p:cNvPr>
@@ -6285,7 +8237,7 @@
           <p:cNvPr id="3" name="Content Placeholder 2">
             <a:extLst>
               <a:ext uri="{FF2B5EF4-FFF2-40B4-BE49-F238E27FC236}">
-                <a16:creationId xmlns:a16="http://schemas.microsoft.com/office/drawing/2014/main" id="{EA65A2D5-E2E1-49EE-83BE-923A297AB9FA}"/>
+                <a16:creationId xmlns:a16="http://schemas.microsoft.com/office/drawing/2014/main" id="{D3F7E539-0900-4D63-BD2A-8BB7DA566A8F}"/>
               </a:ext>
             </a:extLst>
           </p:cNvPr>
@@ -6310,7 +8262,7 @@
           <p:cNvPr id="4" name="Rectangle 3">
             <a:extLst>
               <a:ext uri="{FF2B5EF4-FFF2-40B4-BE49-F238E27FC236}">
-                <a16:creationId xmlns:a16="http://schemas.microsoft.com/office/drawing/2014/main" id="{F3947055-F2FA-432D-A190-72157F075541}"/>
+                <a16:creationId xmlns:a16="http://schemas.microsoft.com/office/drawing/2014/main" id="{6B4A7361-049F-4F24-8C26-A3D493F3E1F3}"/>
               </a:ext>
             </a:extLst>
           </p:cNvPr>
@@ -6319,8 +8271,8 @@
         </p:nvSpPr>
         <p:spPr>
           <a:xfrm>
-            <a:off x="3048000" y="2413338"/>
-            <a:ext cx="6096000" cy="369332"/>
+            <a:off x="3048000" y="2967335"/>
+            <a:ext cx="6096000" cy="923330"/>
           </a:xfrm>
           <a:prstGeom prst="rect">
             <a:avLst/>
@@ -6334,7 +8286,21 @@
           <a:p>
             <a:r>
               <a:rPr lang="en-US" dirty="0"/>
-              <a:t>Teleportation (Chapter 7)</a:t>
+              <a:t>Quantum programming with Cirq:</a:t>
+            </a:r>
+          </a:p>
+          <a:p>
+            <a:pPr lvl="1"/>
+            <a:r>
+              <a:rPr lang="en-US" dirty="0"/>
+              <a:t>Implement NOT, CNOT, H, T</a:t>
+            </a:r>
+          </a:p>
+          <a:p>
+            <a:pPr lvl="1"/>
+            <a:r>
+              <a:rPr lang="en-US" dirty="0"/>
+              <a:t>LaTeX to visualize quantum gates</a:t>
             </a:r>
           </a:p>
         </p:txBody>
@@ -6342,7 +8308,7 @@
     </p:spTree>
     <p:extLst>
       <p:ext uri="{BB962C8B-B14F-4D97-AF65-F5344CB8AC3E}">
-        <p14:creationId xmlns:p14="http://schemas.microsoft.com/office/powerpoint/2010/main" val="416448059"/>
+        <p14:creationId xmlns:p14="http://schemas.microsoft.com/office/powerpoint/2010/main" val="2183708490"/>
       </p:ext>
     </p:extLst>
   </p:cSld>
@@ -6374,6 +8340,120 @@
           <p:cNvPr id="2" name="Title 1">
             <a:extLst>
               <a:ext uri="{FF2B5EF4-FFF2-40B4-BE49-F238E27FC236}">
+                <a16:creationId xmlns:a16="http://schemas.microsoft.com/office/drawing/2014/main" id="{3F9185E3-963C-4B65-A011-1CEB55C11B02}"/>
+              </a:ext>
+            </a:extLst>
+          </p:cNvPr>
+          <p:cNvSpPr>
+            <a:spLocks noGrp="1"/>
+          </p:cNvSpPr>
+          <p:nvPr>
+            <p:ph type="title"/>
+          </p:nvPr>
+        </p:nvSpPr>
+        <p:spPr/>
+        <p:txBody>
+          <a:bodyPr/>
+          <a:lstStyle/>
+          <a:p>
+            <a:endParaRPr lang="en-US"/>
+          </a:p>
+        </p:txBody>
+      </p:sp>
+      <p:sp>
+        <p:nvSpPr>
+          <p:cNvPr id="3" name="Content Placeholder 2">
+            <a:extLst>
+              <a:ext uri="{FF2B5EF4-FFF2-40B4-BE49-F238E27FC236}">
+                <a16:creationId xmlns:a16="http://schemas.microsoft.com/office/drawing/2014/main" id="{EA65A2D5-E2E1-49EE-83BE-923A297AB9FA}"/>
+              </a:ext>
+            </a:extLst>
+          </p:cNvPr>
+          <p:cNvSpPr>
+            <a:spLocks noGrp="1"/>
+          </p:cNvSpPr>
+          <p:nvPr>
+            <p:ph idx="1"/>
+          </p:nvPr>
+        </p:nvSpPr>
+        <p:spPr/>
+        <p:txBody>
+          <a:bodyPr/>
+          <a:lstStyle/>
+          <a:p>
+            <a:endParaRPr lang="en-US"/>
+          </a:p>
+        </p:txBody>
+      </p:sp>
+      <p:sp>
+        <p:nvSpPr>
+          <p:cNvPr id="4" name="Rectangle 3">
+            <a:extLst>
+              <a:ext uri="{FF2B5EF4-FFF2-40B4-BE49-F238E27FC236}">
+                <a16:creationId xmlns:a16="http://schemas.microsoft.com/office/drawing/2014/main" id="{F3947055-F2FA-432D-A190-72157F075541}"/>
+              </a:ext>
+            </a:extLst>
+          </p:cNvPr>
+          <p:cNvSpPr/>
+          <p:nvPr/>
+        </p:nvSpPr>
+        <p:spPr>
+          <a:xfrm>
+            <a:off x="3048000" y="2413338"/>
+            <a:ext cx="6096000" cy="369332"/>
+          </a:xfrm>
+          <a:prstGeom prst="rect">
+            <a:avLst/>
+          </a:prstGeom>
+        </p:spPr>
+        <p:txBody>
+          <a:bodyPr>
+            <a:spAutoFit/>
+          </a:bodyPr>
+          <a:lstStyle/>
+          <a:p>
+            <a:r>
+              <a:rPr lang="en-US" dirty="0"/>
+              <a:t>Teleportation (Chapter 7)</a:t>
+            </a:r>
+          </a:p>
+        </p:txBody>
+      </p:sp>
+    </p:spTree>
+    <p:extLst>
+      <p:ext uri="{BB962C8B-B14F-4D97-AF65-F5344CB8AC3E}">
+        <p14:creationId xmlns:p14="http://schemas.microsoft.com/office/powerpoint/2010/main" val="416448059"/>
+      </p:ext>
+    </p:extLst>
+  </p:cSld>
+  <p:clrMapOvr>
+    <a:masterClrMapping/>
+  </p:clrMapOvr>
+</p:sld>
+</file>
+
+<file path=ppt/slides/slide19.xml><?xml version="1.0" encoding="utf-8"?>
+<p:sld xmlns:a="http://schemas.openxmlformats.org/drawingml/2006/main" xmlns:r="http://schemas.openxmlformats.org/officeDocument/2006/relationships" xmlns:p="http://schemas.openxmlformats.org/presentationml/2006/main">
+  <p:cSld>
+    <p:spTree>
+      <p:nvGrpSpPr>
+        <p:cNvPr id="1" name=""/>
+        <p:cNvGrpSpPr/>
+        <p:nvPr/>
+      </p:nvGrpSpPr>
+      <p:grpSpPr>
+        <a:xfrm>
+          <a:off x="0" y="0"/>
+          <a:ext cx="0" cy="0"/>
+          <a:chOff x="0" y="0"/>
+          <a:chExt cx="0" cy="0"/>
+        </a:xfrm>
+      </p:grpSpPr>
+      <p:sp>
+        <p:nvSpPr>
+          <p:cNvPr id="2" name="Title 1">
+            <a:extLst>
+              <a:ext uri="{FF2B5EF4-FFF2-40B4-BE49-F238E27FC236}">
                 <a16:creationId xmlns:a16="http://schemas.microsoft.com/office/drawing/2014/main" id="{F5F31EC5-B037-42E7-99A5-BE15B8BAEE68}"/>
               </a:ext>
             </a:extLst>
@@ -6487,7 +8567,217 @@
 </p:sld>
 </file>
 
-<file path=ppt/slides/slide19.xml><?xml version="1.0" encoding="utf-8"?>
+<file path=ppt/slides/slide2.xml><?xml version="1.0" encoding="utf-8"?>
+<p:sld xmlns:a="http://schemas.openxmlformats.org/drawingml/2006/main" xmlns:r="http://schemas.openxmlformats.org/officeDocument/2006/relationships" xmlns:p="http://schemas.openxmlformats.org/presentationml/2006/main">
+  <p:cSld>
+    <p:spTree>
+      <p:nvGrpSpPr>
+        <p:cNvPr id="1" name=""/>
+        <p:cNvGrpSpPr/>
+        <p:nvPr/>
+      </p:nvGrpSpPr>
+      <p:grpSpPr>
+        <a:xfrm>
+          <a:off x="0" y="0"/>
+          <a:ext cx="0" cy="0"/>
+          <a:chOff x="0" y="0"/>
+          <a:chExt cx="0" cy="0"/>
+        </a:xfrm>
+      </p:grpSpPr>
+      <p:sp>
+        <p:nvSpPr>
+          <p:cNvPr id="2" name="Title 1">
+            <a:extLst>
+              <a:ext uri="{FF2B5EF4-FFF2-40B4-BE49-F238E27FC236}">
+                <a16:creationId xmlns:a16="http://schemas.microsoft.com/office/drawing/2014/main" id="{9DF96EDE-0F1D-4C19-A7B8-B0EBCCFE4B62}"/>
+              </a:ext>
+            </a:extLst>
+          </p:cNvPr>
+          <p:cNvSpPr>
+            <a:spLocks noGrp="1"/>
+          </p:cNvSpPr>
+          <p:nvPr>
+            <p:ph type="title"/>
+          </p:nvPr>
+        </p:nvSpPr>
+        <p:spPr>
+          <a:xfrm>
+            <a:off x="838200" y="-192659"/>
+            <a:ext cx="10515600" cy="1325563"/>
+          </a:xfrm>
+        </p:spPr>
+        <p:txBody>
+          <a:bodyPr/>
+          <a:lstStyle/>
+          <a:p>
+            <a:r>
+              <a:rPr lang="en-US" dirty="0"/>
+              <a:t>Outline	</a:t>
+            </a:r>
+          </a:p>
+        </p:txBody>
+      </p:sp>
+      <p:sp>
+        <p:nvSpPr>
+          <p:cNvPr id="3" name="Content Placeholder 2">
+            <a:extLst>
+              <a:ext uri="{FF2B5EF4-FFF2-40B4-BE49-F238E27FC236}">
+                <a16:creationId xmlns:a16="http://schemas.microsoft.com/office/drawing/2014/main" id="{94CA94A1-F0DC-4695-B42A-29617D5AD6EF}"/>
+              </a:ext>
+            </a:extLst>
+          </p:cNvPr>
+          <p:cNvSpPr>
+            <a:spLocks noGrp="1"/>
+          </p:cNvSpPr>
+          <p:nvPr>
+            <p:ph idx="1"/>
+          </p:nvPr>
+        </p:nvSpPr>
+        <p:spPr>
+          <a:xfrm>
+            <a:off x="838200" y="698500"/>
+            <a:ext cx="10515600" cy="5478463"/>
+          </a:xfrm>
+        </p:spPr>
+        <p:txBody>
+          <a:bodyPr>
+            <a:normAutofit fontScale="70000" lnSpcReduction="20000"/>
+          </a:bodyPr>
+          <a:lstStyle/>
+          <a:p>
+            <a:r>
+              <a:rPr lang="en-US" dirty="0"/>
+              <a:t>Quantum Computing: An Applied Approach by Jack D. Hidary</a:t>
+            </a:r>
+          </a:p>
+          <a:p>
+            <a:r>
+              <a:rPr lang="en-US" dirty="0"/>
+              <a:t>Python and the Google Colab cloud platform</a:t>
+            </a:r>
+          </a:p>
+          <a:p>
+            <a:r>
+              <a:rPr lang="en-US" dirty="0"/>
+              <a:t>Introduction (Chapters 1 and 2) :</a:t>
+            </a:r>
+          </a:p>
+          <a:p>
+            <a:pPr lvl="1"/>
+            <a:r>
+              <a:rPr lang="en-US" dirty="0"/>
+              <a:t>Classical Bit, Qubit, NOT Gate, AND Gate, Classical Universality  </a:t>
+            </a:r>
+          </a:p>
+          <a:p>
+            <a:pPr lvl="1"/>
+            <a:r>
+              <a:rPr lang="en-US" dirty="0"/>
+              <a:t>Superposition, Entanglement and Reversibility</a:t>
+            </a:r>
+          </a:p>
+          <a:p>
+            <a:pPr lvl="1"/>
+            <a:r>
+              <a:rPr lang="en-US" dirty="0"/>
+              <a:t>History of Computational Physics and Chemistry </a:t>
+            </a:r>
+          </a:p>
+          <a:p>
+            <a:r>
+              <a:rPr lang="en-US" dirty="0"/>
+              <a:t>Bits, qubits and operators (Chapter 3):</a:t>
+            </a:r>
+          </a:p>
+          <a:p>
+            <a:pPr lvl="1"/>
+            <a:r>
+              <a:rPr lang="en-US" dirty="0"/>
+              <a:t>BIT vs QUBIT, vector presentation, red, blue quantum states</a:t>
+            </a:r>
+          </a:p>
+          <a:p>
+            <a:pPr lvl="1"/>
+            <a:r>
+              <a:rPr lang="en-US" dirty="0"/>
+              <a:t>Universal set: CNOT, H, T</a:t>
+            </a:r>
+          </a:p>
+          <a:p>
+            <a:r>
+              <a:rPr lang="en-US" dirty="0"/>
+              <a:t>Types of quantum computers (Chapter 5)</a:t>
+            </a:r>
+          </a:p>
+          <a:p>
+            <a:r>
+              <a:rPr lang="en-US" dirty="0"/>
+              <a:t>Quantum programming with Cirq:</a:t>
+            </a:r>
+          </a:p>
+          <a:p>
+            <a:pPr lvl="1"/>
+            <a:r>
+              <a:rPr lang="en-US" dirty="0"/>
+              <a:t>Implement NOT, CNOT, H, T</a:t>
+            </a:r>
+          </a:p>
+          <a:p>
+            <a:pPr lvl="1"/>
+            <a:r>
+              <a:rPr lang="en-US" dirty="0"/>
+              <a:t>LaTeX to visualize quantum gates</a:t>
+            </a:r>
+          </a:p>
+          <a:p>
+            <a:r>
+              <a:rPr lang="en-US" dirty="0"/>
+              <a:t>Teleportation (Chapter 7)</a:t>
+            </a:r>
+          </a:p>
+          <a:p>
+            <a:r>
+              <a:rPr lang="en-US" dirty="0"/>
+              <a:t>ML + QML (Chapter 9 and TensorFlow Quantum):</a:t>
+            </a:r>
+          </a:p>
+          <a:p>
+            <a:pPr lvl="1"/>
+            <a:r>
+              <a:rPr lang="en-US" dirty="0"/>
+              <a:t>What’re artificial intelligence, machine learning and deep learning</a:t>
+            </a:r>
+          </a:p>
+          <a:p>
+            <a:pPr lvl="1"/>
+            <a:r>
+              <a:rPr lang="en-US" dirty="0"/>
+              <a:t>MNIST using classical TensorFlow </a:t>
+            </a:r>
+          </a:p>
+          <a:p>
+            <a:pPr lvl="1"/>
+            <a:r>
+              <a:rPr lang="en-US" dirty="0"/>
+              <a:t>Quantum many hello worlds using TensorFlow Quantum (TFQ)</a:t>
+            </a:r>
+          </a:p>
+        </p:txBody>
+      </p:sp>
+    </p:spTree>
+    <p:extLst>
+      <p:ext uri="{BB962C8B-B14F-4D97-AF65-F5344CB8AC3E}">
+        <p14:creationId xmlns:p14="http://schemas.microsoft.com/office/powerpoint/2010/main" val="113387824"/>
+      </p:ext>
+    </p:extLst>
+  </p:cSld>
+  <p:clrMapOvr>
+    <a:masterClrMapping/>
+  </p:clrMapOvr>
+</p:sld>
+</file>
+
+<file path=ppt/slides/slide20.xml><?xml version="1.0" encoding="utf-8"?>
 <p:sld xmlns:a="http://schemas.openxmlformats.org/drawingml/2006/main" xmlns:r="http://schemas.openxmlformats.org/officeDocument/2006/relationships" xmlns:p="http://schemas.openxmlformats.org/presentationml/2006/main">
   <p:cSld>
     <p:spTree>
@@ -8074,7 +10364,7 @@
 </p:sld>
 </file>
 
-<file path=ppt/slides/slide2.xml><?xml version="1.0" encoding="utf-8"?>
+<file path=ppt/slides/slide21.xml><?xml version="1.0" encoding="utf-8"?>
 <p:sld xmlns:a="http://schemas.openxmlformats.org/drawingml/2006/main" xmlns:r="http://schemas.openxmlformats.org/officeDocument/2006/relationships" xmlns:p="http://schemas.openxmlformats.org/presentationml/2006/main">
   <p:cSld>
     <p:spTree>
@@ -8096,216 +10386,6 @@
           <p:cNvPr id="2" name="Title 1">
             <a:extLst>
               <a:ext uri="{FF2B5EF4-FFF2-40B4-BE49-F238E27FC236}">
-                <a16:creationId xmlns:a16="http://schemas.microsoft.com/office/drawing/2014/main" id="{9DF96EDE-0F1D-4C19-A7B8-B0EBCCFE4B62}"/>
-              </a:ext>
-            </a:extLst>
-          </p:cNvPr>
-          <p:cNvSpPr>
-            <a:spLocks noGrp="1"/>
-          </p:cNvSpPr>
-          <p:nvPr>
-            <p:ph type="title"/>
-          </p:nvPr>
-        </p:nvSpPr>
-        <p:spPr>
-          <a:xfrm>
-            <a:off x="838200" y="-192659"/>
-            <a:ext cx="10515600" cy="1325563"/>
-          </a:xfrm>
-        </p:spPr>
-        <p:txBody>
-          <a:bodyPr/>
-          <a:lstStyle/>
-          <a:p>
-            <a:r>
-              <a:rPr lang="en-US" dirty="0"/>
-              <a:t>Outline	</a:t>
-            </a:r>
-          </a:p>
-        </p:txBody>
-      </p:sp>
-      <p:sp>
-        <p:nvSpPr>
-          <p:cNvPr id="3" name="Content Placeholder 2">
-            <a:extLst>
-              <a:ext uri="{FF2B5EF4-FFF2-40B4-BE49-F238E27FC236}">
-                <a16:creationId xmlns:a16="http://schemas.microsoft.com/office/drawing/2014/main" id="{94CA94A1-F0DC-4695-B42A-29617D5AD6EF}"/>
-              </a:ext>
-            </a:extLst>
-          </p:cNvPr>
-          <p:cNvSpPr>
-            <a:spLocks noGrp="1"/>
-          </p:cNvSpPr>
-          <p:nvPr>
-            <p:ph idx="1"/>
-          </p:nvPr>
-        </p:nvSpPr>
-        <p:spPr>
-          <a:xfrm>
-            <a:off x="838200" y="698500"/>
-            <a:ext cx="10515600" cy="5478463"/>
-          </a:xfrm>
-        </p:spPr>
-        <p:txBody>
-          <a:bodyPr>
-            <a:normAutofit fontScale="70000" lnSpcReduction="20000"/>
-          </a:bodyPr>
-          <a:lstStyle/>
-          <a:p>
-            <a:r>
-              <a:rPr lang="en-US" dirty="0"/>
-              <a:t>Quantum Computing: An Applied Approach by Jack D. Hidary</a:t>
-            </a:r>
-          </a:p>
-          <a:p>
-            <a:r>
-              <a:rPr lang="en-US" dirty="0"/>
-              <a:t>Python and the Google Colab cloud platform</a:t>
-            </a:r>
-          </a:p>
-          <a:p>
-            <a:r>
-              <a:rPr lang="en-US" dirty="0"/>
-              <a:t>Introduction (Chapters 1 and 2) :</a:t>
-            </a:r>
-          </a:p>
-          <a:p>
-            <a:pPr lvl="1"/>
-            <a:r>
-              <a:rPr lang="en-US" dirty="0"/>
-              <a:t>Classical BIT, QUBIT, NOT, AND, Classical Universality  </a:t>
-            </a:r>
-          </a:p>
-          <a:p>
-            <a:pPr lvl="1"/>
-            <a:r>
-              <a:rPr lang="en-US" dirty="0"/>
-              <a:t>Superposition, Entanglement and Reversibility</a:t>
-            </a:r>
-          </a:p>
-          <a:p>
-            <a:pPr lvl="1"/>
-            <a:r>
-              <a:rPr lang="en-US" dirty="0"/>
-              <a:t>History of Computational Physics and Chemistry </a:t>
-            </a:r>
-          </a:p>
-          <a:p>
-            <a:r>
-              <a:rPr lang="en-US" dirty="0"/>
-              <a:t>Bits, qubits and operators (Chapter 3):</a:t>
-            </a:r>
-          </a:p>
-          <a:p>
-            <a:pPr lvl="1"/>
-            <a:r>
-              <a:rPr lang="en-US" dirty="0"/>
-              <a:t>BIT vs QUBIT, vector presentation, red, blue quantum states</a:t>
-            </a:r>
-          </a:p>
-          <a:p>
-            <a:pPr lvl="1"/>
-            <a:r>
-              <a:rPr lang="en-US" dirty="0"/>
-              <a:t>Universal set: CNOT, H, T</a:t>
-            </a:r>
-          </a:p>
-          <a:p>
-            <a:r>
-              <a:rPr lang="en-US" dirty="0"/>
-              <a:t>Types of quantum computers (Chapter 5)</a:t>
-            </a:r>
-          </a:p>
-          <a:p>
-            <a:r>
-              <a:rPr lang="en-US" dirty="0"/>
-              <a:t>Quantum programming with Cirq:</a:t>
-            </a:r>
-          </a:p>
-          <a:p>
-            <a:pPr lvl="1"/>
-            <a:r>
-              <a:rPr lang="en-US" dirty="0"/>
-              <a:t>Implement NOT, CNOT, H, T</a:t>
-            </a:r>
-          </a:p>
-          <a:p>
-            <a:pPr lvl="1"/>
-            <a:r>
-              <a:rPr lang="en-US" dirty="0"/>
-              <a:t>LaTeX to visualize quantum gates</a:t>
-            </a:r>
-          </a:p>
-          <a:p>
-            <a:r>
-              <a:rPr lang="en-US" dirty="0"/>
-              <a:t>Teleportation (Chapter 7)</a:t>
-            </a:r>
-          </a:p>
-          <a:p>
-            <a:r>
-              <a:rPr lang="en-US" dirty="0"/>
-              <a:t>ML + QML (Chapter 9 and TensorFlow Quantum):</a:t>
-            </a:r>
-          </a:p>
-          <a:p>
-            <a:pPr lvl="1"/>
-            <a:r>
-              <a:rPr lang="en-US" dirty="0"/>
-              <a:t>What’re artificial intelligence, machine learning and deep learning</a:t>
-            </a:r>
-          </a:p>
-          <a:p>
-            <a:pPr lvl="1"/>
-            <a:r>
-              <a:rPr lang="en-US" dirty="0"/>
-              <a:t>MNIST using classical TensorFlow </a:t>
-            </a:r>
-          </a:p>
-          <a:p>
-            <a:pPr lvl="1"/>
-            <a:r>
-              <a:rPr lang="en-US" dirty="0"/>
-              <a:t>Quantum many hello worlds using TensorFlow Quantum (TFQ)</a:t>
-            </a:r>
-          </a:p>
-        </p:txBody>
-      </p:sp>
-    </p:spTree>
-    <p:extLst>
-      <p:ext uri="{BB962C8B-B14F-4D97-AF65-F5344CB8AC3E}">
-        <p14:creationId xmlns:p14="http://schemas.microsoft.com/office/powerpoint/2010/main" val="113387824"/>
-      </p:ext>
-    </p:extLst>
-  </p:cSld>
-  <p:clrMapOvr>
-    <a:masterClrMapping/>
-  </p:clrMapOvr>
-</p:sld>
-</file>
-
-<file path=ppt/slides/slide20.xml><?xml version="1.0" encoding="utf-8"?>
-<p:sld xmlns:a="http://schemas.openxmlformats.org/drawingml/2006/main" xmlns:r="http://schemas.openxmlformats.org/officeDocument/2006/relationships" xmlns:p="http://schemas.openxmlformats.org/presentationml/2006/main">
-  <p:cSld>
-    <p:spTree>
-      <p:nvGrpSpPr>
-        <p:cNvPr id="1" name=""/>
-        <p:cNvGrpSpPr/>
-        <p:nvPr/>
-      </p:nvGrpSpPr>
-      <p:grpSpPr>
-        <a:xfrm>
-          <a:off x="0" y="0"/>
-          <a:ext cx="0" cy="0"/>
-          <a:chOff x="0" y="0"/>
-          <a:chExt cx="0" cy="0"/>
-        </a:xfrm>
-      </p:grpSpPr>
-      <p:sp>
-        <p:nvSpPr>
-          <p:cNvPr id="2" name="Title 1">
-            <a:extLst>
-              <a:ext uri="{FF2B5EF4-FFF2-40B4-BE49-F238E27FC236}">
                 <a16:creationId xmlns:a16="http://schemas.microsoft.com/office/drawing/2014/main" id="{724891BF-65C9-48D5-90FA-B6E4D4C747F5}"/>
               </a:ext>
             </a:extLst>
@@ -8352,6 +10432,24 @@
                 <a:hlinkClick r:id="rId2"/>
               </a:rPr>
               <a:t>https://towardsdatascience.com/exploring-tensorflow-quantum-googles-new-framework-for-creating-quantum-machine-learning-models-3af27ba916e9?gi=7d8932eba7ad</a:t>
+            </a:r>
+            <a:endParaRPr lang="en-US" dirty="0"/>
+          </a:p>
+          <a:p>
+            <a:r>
+              <a:rPr lang="en-US" dirty="0"/>
+              <a:t>Code introductory talk</a:t>
+            </a:r>
+            <a:br>
+              <a:rPr lang="en-US" dirty="0">
+                <a:hlinkClick r:id="rId3"/>
+              </a:rPr>
+            </a:br>
+            <a:r>
+              <a:rPr lang="en-US" dirty="0">
+                <a:hlinkClick r:id="rId3"/>
+              </a:rPr>
+              <a:t>https://www.youtube.com/watch?v=F_Riqjdh2oM</a:t>
             </a:r>
             <a:endParaRPr lang="en-US" dirty="0"/>
           </a:p>
@@ -8370,7 +10468,7 @@
 </p:sld>
 </file>
 
-<file path=ppt/slides/slide21.xml><?xml version="1.0" encoding="utf-8"?>
+<file path=ppt/slides/slide22.xml><?xml version="1.0" encoding="utf-8"?>
 <p:sld xmlns:a="http://schemas.openxmlformats.org/drawingml/2006/main" xmlns:r="http://schemas.openxmlformats.org/officeDocument/2006/relationships" xmlns:p="http://schemas.openxmlformats.org/presentationml/2006/main">
   <p:cSld>
     <p:spTree>
@@ -8710,7 +10808,7 @@
 </p:sld>
 </file>
 
-<file path=ppt/slides/slide22.xml><?xml version="1.0" encoding="utf-8"?>
+<file path=ppt/slides/slide23.xml><?xml version="1.0" encoding="utf-8"?>
 <p:sld xmlns:a="http://schemas.openxmlformats.org/drawingml/2006/main" xmlns:r="http://schemas.openxmlformats.org/officeDocument/2006/relationships" xmlns:p="http://schemas.openxmlformats.org/presentationml/2006/main">
   <p:cSld>
     <p:spTree>
@@ -12939,8 +15037,8 @@
           </a:p>
         </p:txBody>
       </p:sp>
-      <mc:AlternateContent xmlns:mc="http://schemas.openxmlformats.org/markup-compatibility/2006" xmlns:a14="http://schemas.microsoft.com/office/drawing/2010/main">
-        <mc:Choice Requires="a14">
+      <mc:AlternateContent xmlns:mc="http://schemas.openxmlformats.org/markup-compatibility/2006">
+        <mc:Choice xmlns:a14="http://schemas.microsoft.com/office/drawing/2010/main" Requires="a14">
           <p:sp>
             <p:nvSpPr>
               <p:cNvPr id="3" name="Content Placeholder 2">
@@ -12959,7 +15057,7 @@
             </p:nvSpPr>
             <p:spPr>
               <a:xfrm>
-                <a:off x="726911" y="1158681"/>
+                <a:off x="726911" y="994089"/>
                 <a:ext cx="9001570" cy="4351338"/>
               </a:xfrm>
             </p:spPr>
@@ -12994,13 +15092,40 @@
               <a:p>
                 <a:r>
                   <a:rPr lang="en-US" dirty="0"/>
-                  <a:t>A classical duck (bit) has only two possible states: red or blue. </a:t>
+                  <a:t>A classical duck (bit) has only two possible states: </a:t>
+                </a:r>
+                <a:br>
+                  <a:rPr lang="en-US" dirty="0"/>
+                </a:br>
+                <a:r>
+                  <a:rPr lang="en-US" dirty="0">
+                    <a:solidFill>
+                      <a:srgbClr val="FF0000"/>
+                    </a:solidFill>
+                  </a:rPr>
+                  <a:t>red </a:t>
+                </a:r>
+                <a:r>
+                  <a:rPr lang="en-US" dirty="0"/>
+                  <a:t>or </a:t>
+                </a:r>
+                <a:r>
+                  <a:rPr lang="en-US" dirty="0">
+                    <a:solidFill>
+                      <a:srgbClr val="0000FF"/>
+                    </a:solidFill>
+                  </a:rPr>
+                  <a:t>blue</a:t>
+                </a:r>
+                <a:r>
+                  <a:rPr lang="en-US" dirty="0"/>
+                  <a:t>. </a:t>
                 </a:r>
               </a:p>
               <a:p>
                 <a:r>
                   <a:rPr lang="en-US" dirty="0"/>
-                  <a:t>We can see the color of a classical duck all the time. </a:t>
+                  <a:t>We can always see the color of a classical duck. </a:t>
                 </a:r>
               </a:p>
               <a:p>
@@ -13235,7 +15360,7 @@
             </p:txBody>
           </p:sp>
         </mc:Choice>
-        <mc:Fallback xmlns="">
+        <mc:Fallback>
           <p:sp>
             <p:nvSpPr>
               <p:cNvPr id="3" name="Content Placeholder 2">
@@ -13254,7 +15379,7 @@
             </p:nvSpPr>
             <p:spPr>
               <a:xfrm>
-                <a:off x="726911" y="1158681"/>
+                <a:off x="726911" y="994089"/>
                 <a:ext cx="9001570" cy="4351338"/>
               </a:xfrm>
               <a:blipFill>
@@ -14623,7 +16748,12 @@
             <p:ph type="title"/>
           </p:nvPr>
         </p:nvSpPr>
-        <p:spPr/>
+        <p:spPr>
+          <a:xfrm>
+            <a:off x="774192" y="0"/>
+            <a:ext cx="10515600" cy="1325563"/>
+          </a:xfrm>
+        </p:spPr>
         <p:txBody>
           <a:bodyPr/>
           <a:lstStyle/>
@@ -14635,8 +16765,8 @@
           </a:p>
         </p:txBody>
       </p:sp>
-      <mc:AlternateContent xmlns:mc="http://schemas.openxmlformats.org/markup-compatibility/2006" xmlns:a14="http://schemas.microsoft.com/office/drawing/2010/main">
-        <mc:Choice Requires="a14">
+      <mc:AlternateContent xmlns:mc="http://schemas.openxmlformats.org/markup-compatibility/2006">
+        <mc:Choice xmlns:a14="http://schemas.microsoft.com/office/drawing/2010/main" Requires="a14">
           <p:sp>
             <p:nvSpPr>
               <p:cNvPr id="3" name="Content Placeholder 2">
@@ -14653,7 +16783,12 @@
                 <p:ph idx="1"/>
               </p:nvPr>
             </p:nvSpPr>
-            <p:spPr/>
+            <p:spPr>
+              <a:xfrm>
+                <a:off x="838200" y="1030097"/>
+                <a:ext cx="10515600" cy="4351338"/>
+              </a:xfrm>
+            </p:spPr>
             <p:txBody>
               <a:bodyPr/>
               <a:lstStyle/>
@@ -14828,10 +16963,128 @@
                 </a14:m>
                 <a:endParaRPr lang="en-US" dirty="0"/>
               </a:p>
+              <a:p>
+                <a:r>
+                  <a:rPr lang="en-US" dirty="0"/>
+                  <a:t>All Quantum operations </a:t>
+                </a:r>
+                <a:r>
+                  <a:rPr lang="en-US" b="1" dirty="0"/>
+                  <a:t>other than measurement</a:t>
+                </a:r>
+                <a:r>
+                  <a:rPr lang="en-US" dirty="0"/>
+                  <a:t> must be reversible (always can be undone).</a:t>
+                </a:r>
+              </a:p>
+              <a:p>
+                <a:r>
+                  <a:rPr lang="en-US" dirty="0"/>
+                  <a:t>Entanglement: two systems </a:t>
+                </a:r>
+                <a14:m>
+                  <m:oMath xmlns:m="http://schemas.openxmlformats.org/officeDocument/2006/math">
+                    <m:d>
+                      <m:dPr>
+                        <m:begChr m:val="|"/>
+                        <m:endChr m:val="⟩"/>
+                        <m:ctrlPr>
+                          <a:rPr lang="en-US" i="1">
+                            <a:latin typeface="Cambria Math" panose="02040503050406030204" pitchFamily="18" charset="0"/>
+                          </a:rPr>
+                        </m:ctrlPr>
+                      </m:dPr>
+                      <m:e>
+                        <m:sSub>
+                          <m:sSubPr>
+                            <m:ctrlPr>
+                              <a:rPr lang="en-US" b="0" i="0" smtClean="0">
+                                <a:latin typeface="Cambria Math" panose="02040503050406030204" pitchFamily="18" charset="0"/>
+                              </a:rPr>
+                            </m:ctrlPr>
+                          </m:sSubPr>
+                          <m:e>
+                            <m:r>
+                              <m:rPr>
+                                <m:sty m:val="p"/>
+                              </m:rPr>
+                              <a:rPr lang="en-US">
+                                <a:latin typeface="Cambria Math" panose="02040503050406030204" pitchFamily="18" charset="0"/>
+                              </a:rPr>
+                              <m:t>ψ</m:t>
+                            </m:r>
+                          </m:e>
+                          <m:sub>
+                            <m:r>
+                              <a:rPr lang="en-US" b="0" i="0" smtClean="0">
+                                <a:latin typeface="Cambria Math" panose="02040503050406030204" pitchFamily="18" charset="0"/>
+                              </a:rPr>
+                              <m:t>1</m:t>
+                            </m:r>
+                          </m:sub>
+                        </m:sSub>
+                      </m:e>
+                    </m:d>
+                  </m:oMath>
+                </a14:m>
+                <a:r>
+                  <a:rPr lang="en-US" dirty="0"/>
+                  <a:t> and </a:t>
+                </a:r>
+                <a14:m>
+                  <m:oMath xmlns:m="http://schemas.openxmlformats.org/officeDocument/2006/math">
+                    <m:d>
+                      <m:dPr>
+                        <m:begChr m:val="|"/>
+                        <m:endChr m:val="⟩"/>
+                        <m:ctrlPr>
+                          <a:rPr lang="en-US" i="1">
+                            <a:latin typeface="Cambria Math" panose="02040503050406030204" pitchFamily="18" charset="0"/>
+                          </a:rPr>
+                        </m:ctrlPr>
+                      </m:dPr>
+                      <m:e>
+                        <m:sSub>
+                          <m:sSubPr>
+                            <m:ctrlPr>
+                              <a:rPr lang="en-US" i="1">
+                                <a:latin typeface="Cambria Math" panose="02040503050406030204" pitchFamily="18" charset="0"/>
+                              </a:rPr>
+                            </m:ctrlPr>
+                          </m:sSubPr>
+                          <m:e>
+                            <m:r>
+                              <m:rPr>
+                                <m:sty m:val="p"/>
+                              </m:rPr>
+                              <a:rPr lang="en-US">
+                                <a:latin typeface="Cambria Math" panose="02040503050406030204" pitchFamily="18" charset="0"/>
+                              </a:rPr>
+                              <m:t>ψ</m:t>
+                            </m:r>
+                          </m:e>
+                          <m:sub>
+                            <m:r>
+                              <a:rPr lang="en-US" b="0" i="0" smtClean="0">
+                                <a:latin typeface="Cambria Math" panose="02040503050406030204" pitchFamily="18" charset="0"/>
+                              </a:rPr>
+                              <m:t>2</m:t>
+                            </m:r>
+                          </m:sub>
+                        </m:sSub>
+                      </m:e>
+                    </m:d>
+                  </m:oMath>
+                </a14:m>
+                <a:r>
+                  <a:rPr lang="en-US" dirty="0"/>
+                  <a:t> are entangled if their measurements are correlated.  </a:t>
+                </a:r>
+              </a:p>
             </p:txBody>
           </p:sp>
         </mc:Choice>
-        <mc:Fallback xmlns="">
+        <mc:Fallback>
           <p:sp>
             <p:nvSpPr>
               <p:cNvPr id="3" name="Content Placeholder 2">
@@ -14849,10 +17102,14 @@
               </p:nvPr>
             </p:nvSpPr>
             <p:spPr>
+              <a:xfrm>
+                <a:off x="838200" y="1030097"/>
+                <a:ext cx="10515600" cy="4351338"/>
+              </a:xfrm>
               <a:blipFill>
                 <a:blip r:embed="rId2"/>
                 <a:stretch>
-                  <a:fillRect l="-1043" t="-2241"/>
+                  <a:fillRect l="-1043" t="-2381" r="-812"/>
                 </a:stretch>
               </a:blipFill>
             </p:spPr>
@@ -14871,6 +17128,36 @@
           </p:sp>
         </mc:Fallback>
       </mc:AlternateContent>
+      <p:pic>
+        <p:nvPicPr>
+          <p:cNvPr id="4" name="Picture 3">
+            <a:extLst>
+              <a:ext uri="{FF2B5EF4-FFF2-40B4-BE49-F238E27FC236}">
+                <a16:creationId xmlns:a16="http://schemas.microsoft.com/office/drawing/2014/main" id="{C724DCD9-CE63-48DC-A1DF-96556F518777}"/>
+              </a:ext>
+            </a:extLst>
+          </p:cNvPr>
+          <p:cNvPicPr>
+            <a:picLocks noChangeAspect="1"/>
+          </p:cNvPicPr>
+          <p:nvPr/>
+        </p:nvPicPr>
+        <p:blipFill>
+          <a:blip r:embed="rId3"/>
+          <a:stretch>
+            <a:fillRect/>
+          </a:stretch>
+        </p:blipFill>
+        <p:spPr>
+          <a:xfrm>
+            <a:off x="6096000" y="4794896"/>
+            <a:ext cx="5461444" cy="1846935"/>
+          </a:xfrm>
+          <a:prstGeom prst="rect">
+            <a:avLst/>
+          </a:prstGeom>
+        </p:spPr>
+      </p:pic>
     </p:spTree>
     <p:extLst>
       <p:ext uri="{BB962C8B-B14F-4D97-AF65-F5344CB8AC3E}">
